--- a/_site/slides/week00/lecture.pptx
+++ b/_site/slides/week00/lecture.pptx
@@ -304,7 +304,7 @@
             <a:fld id="{241EB5C9-1307-BA42-ABA2-0BC069CD8E7F}" type="datetimeFigureOut">
               <a:rPr lang="en-US" smtClean="0"/>
               <a:pPr/>
-              <a:t>9/30/22</a:t>
+              <a:t>9/24/23</a:t>
             </a:fld>
             <a:endParaRPr lang="en-US" dirty="0"/>
           </a:p>
@@ -397,10 +397,10 @@
       </p:sp>
       <p:pic>
         <p:nvPicPr>
-          <p:cNvPr id="7" name="Picture 6" descr="A picture containing text, primate, monitor, indoor&#10;&#10;Description automatically generated">
-            <a:extLst>
-              <a:ext uri="{FF2B5EF4-FFF2-40B4-BE49-F238E27FC236}">
-                <a16:creationId xmlns:a16="http://schemas.microsoft.com/office/drawing/2014/main" id="{B6FBD17D-F718-95C1-DDB9-BB5B65FE2BD9}"/>
+          <p:cNvPr id="9" name="Picture 8" descr="A cartoon monkey holding a magnifying glass&#10;&#10;Description automatically generated">
+            <a:extLst>
+              <a:ext uri="{FF2B5EF4-FFF2-40B4-BE49-F238E27FC236}">
+                <a16:creationId xmlns:a16="http://schemas.microsoft.com/office/drawing/2014/main" id="{E0280DB6-DDF3-4C1F-AC17-984168E43E44}"/>
               </a:ext>
             </a:extLst>
           </p:cNvPr>
@@ -417,8 +417,8 @@
         </p:blipFill>
         <p:spPr>
           <a:xfrm>
-            <a:off x="10913450" y="151609"/>
-            <a:ext cx="1063580" cy="1220148"/>
+            <a:off x="10668000" y="77267"/>
+            <a:ext cx="1524000" cy="1524000"/>
           </a:xfrm>
           <a:prstGeom prst="rect">
             <a:avLst/>
@@ -647,7 +647,7 @@
             <a:fld id="{241EB5C9-1307-BA42-ABA2-0BC069CD8E7F}" type="datetimeFigureOut">
               <a:rPr lang="en-US" smtClean="0"/>
               <a:pPr/>
-              <a:t>9/30/22</a:t>
+              <a:t>9/24/23</a:t>
             </a:fld>
             <a:endParaRPr lang="en-US"/>
           </a:p>
@@ -965,7 +965,7 @@
             <a:fld id="{241EB5C9-1307-BA42-ABA2-0BC069CD8E7F}" type="datetimeFigureOut">
               <a:rPr lang="en-US" smtClean="0"/>
               <a:pPr/>
-              <a:t>9/30/22</a:t>
+              <a:t>9/24/23</a:t>
             </a:fld>
             <a:endParaRPr lang="en-US"/>
           </a:p>
@@ -1281,7 +1281,7 @@
           <a:p>
             <a:fld id="{241EB5C9-1307-BA42-ABA2-0BC069CD8E7F}" type="datetimeFigureOut">
               <a:rPr lang="en-US" smtClean="0"/>
-              <a:t>9/30/22</a:t>
+              <a:t>9/24/23</a:t>
             </a:fld>
             <a:endParaRPr lang="en-US"/>
           </a:p>
@@ -1351,7 +1351,7 @@
       </p:sp>
       <p:pic>
         <p:nvPicPr>
-          <p:cNvPr id="7" name="Picture 6" descr="A picture containing text, primate, monitor, indoor&#10;&#10;Description automatically generated">
+          <p:cNvPr id="7" name="Picture 6">
             <a:extLst>
               <a:ext uri="{FF2B5EF4-FFF2-40B4-BE49-F238E27FC236}">
                 <a16:creationId xmlns:a16="http://schemas.microsoft.com/office/drawing/2014/main" id="{F4EFD39C-D04F-D648-B6B2-07092A492153}"/>
@@ -1365,14 +1365,13 @@
         </p:nvPicPr>
         <p:blipFill>
           <a:blip r:embed="rId2"/>
-          <a:stretch>
-            <a:fillRect/>
-          </a:stretch>
+          <a:srcRect/>
+          <a:stretch/>
         </p:blipFill>
         <p:spPr>
           <a:xfrm>
-            <a:off x="10964250" y="158272"/>
-            <a:ext cx="1063580" cy="1220148"/>
+            <a:off x="10964250" y="236556"/>
+            <a:ext cx="1063580" cy="1063580"/>
           </a:xfrm>
           <a:prstGeom prst="rect">
             <a:avLst/>
@@ -1628,7 +1627,7 @@
             <a:fld id="{241EB5C9-1307-BA42-ABA2-0BC069CD8E7F}" type="datetimeFigureOut">
               <a:rPr lang="en-US" smtClean="0"/>
               <a:pPr/>
-              <a:t>9/30/22</a:t>
+              <a:t>9/24/23</a:t>
             </a:fld>
             <a:endParaRPr lang="en-US"/>
           </a:p>
@@ -1821,7 +1820,7 @@
           <a:p>
             <a:fld id="{241EB5C9-1307-BA42-ABA2-0BC069CD8E7F}" type="datetimeFigureOut">
               <a:rPr lang="en-US" smtClean="0"/>
-              <a:t>9/30/22</a:t>
+              <a:t>9/24/23</a:t>
             </a:fld>
             <a:endParaRPr lang="en-US"/>
           </a:p>
@@ -1891,7 +1890,7 @@
       </p:sp>
       <p:pic>
         <p:nvPicPr>
-          <p:cNvPr id="3" name="Picture 2" descr="A picture containing text, primate, monitor, indoor&#10;&#10;Description automatically generated">
+          <p:cNvPr id="3" name="Picture 2">
             <a:extLst>
               <a:ext uri="{FF2B5EF4-FFF2-40B4-BE49-F238E27FC236}">
                 <a16:creationId xmlns:a16="http://schemas.microsoft.com/office/drawing/2014/main" id="{A8EB6A88-2E41-552F-6E71-A9DFA92F0663}"/>
@@ -1905,14 +1904,13 @@
         </p:nvPicPr>
         <p:blipFill>
           <a:blip r:embed="rId2"/>
-          <a:stretch>
-            <a:fillRect/>
-          </a:stretch>
+          <a:srcRect/>
+          <a:stretch/>
         </p:blipFill>
         <p:spPr>
           <a:xfrm>
-            <a:off x="10994730" y="131289"/>
-            <a:ext cx="1063580" cy="1220148"/>
+            <a:off x="10994730" y="209573"/>
+            <a:ext cx="1063580" cy="1063580"/>
           </a:xfrm>
           <a:prstGeom prst="rect">
             <a:avLst/>
@@ -2340,7 +2338,7 @@
             <a:fld id="{241EB5C9-1307-BA42-ABA2-0BC069CD8E7F}" type="datetimeFigureOut">
               <a:rPr lang="en-US" smtClean="0"/>
               <a:pPr/>
-              <a:t>9/30/22</a:t>
+              <a:t>9/24/23</a:t>
             </a:fld>
             <a:endParaRPr lang="en-US"/>
           </a:p>
@@ -2993,7 +2991,7 @@
             <a:fld id="{241EB5C9-1307-BA42-ABA2-0BC069CD8E7F}" type="datetimeFigureOut">
               <a:rPr lang="en-US" smtClean="0"/>
               <a:pPr/>
-              <a:t>9/30/22</a:t>
+              <a:t>9/24/23</a:t>
             </a:fld>
             <a:endParaRPr lang="en-US"/>
           </a:p>
@@ -3197,7 +3195,7 @@
             <a:fld id="{241EB5C9-1307-BA42-ABA2-0BC069CD8E7F}" type="datetimeFigureOut">
               <a:rPr lang="en-US" smtClean="0"/>
               <a:pPr/>
-              <a:t>9/30/22</a:t>
+              <a:t>9/24/23</a:t>
             </a:fld>
             <a:endParaRPr lang="en-US"/>
           </a:p>
@@ -3290,7 +3288,7 @@
       </p:sp>
       <p:pic>
         <p:nvPicPr>
-          <p:cNvPr id="6" name="Picture 5" descr="A picture containing text, primate, monitor, indoor&#10;&#10;Description automatically generated">
+          <p:cNvPr id="6" name="Picture 5">
             <a:extLst>
               <a:ext uri="{FF2B5EF4-FFF2-40B4-BE49-F238E27FC236}">
                 <a16:creationId xmlns:a16="http://schemas.microsoft.com/office/drawing/2014/main" id="{0D355E77-5B2E-A2EF-706B-9C4916EA9A9E}"/>
@@ -3304,14 +3302,13 @@
         </p:nvPicPr>
         <p:blipFill>
           <a:blip r:embed="rId2"/>
-          <a:stretch>
-            <a:fillRect/>
-          </a:stretch>
+          <a:srcRect/>
+          <a:stretch/>
         </p:blipFill>
         <p:spPr>
           <a:xfrm>
-            <a:off x="10994730" y="161769"/>
-            <a:ext cx="1063580" cy="1220148"/>
+            <a:off x="10994730" y="240053"/>
+            <a:ext cx="1063580" cy="1063580"/>
           </a:xfrm>
           <a:prstGeom prst="rect">
             <a:avLst/>
@@ -3371,7 +3368,7 @@
           <a:p>
             <a:fld id="{241EB5C9-1307-BA42-ABA2-0BC069CD8E7F}" type="datetimeFigureOut">
               <a:rPr lang="en-US" smtClean="0"/>
-              <a:t>9/30/22</a:t>
+              <a:t>9/24/23</a:t>
             </a:fld>
             <a:endParaRPr lang="en-US"/>
           </a:p>
@@ -3790,7 +3787,7 @@
             <a:fld id="{241EB5C9-1307-BA42-ABA2-0BC069CD8E7F}" type="datetimeFigureOut">
               <a:rPr lang="en-US" smtClean="0"/>
               <a:pPr/>
-              <a:t>9/30/22</a:t>
+              <a:t>9/24/23</a:t>
             </a:fld>
             <a:endParaRPr lang="en-US"/>
           </a:p>
@@ -4154,7 +4151,7 @@
             <a:fld id="{241EB5C9-1307-BA42-ABA2-0BC069CD8E7F}" type="datetimeFigureOut">
               <a:rPr lang="en-US" smtClean="0"/>
               <a:pPr/>
-              <a:t>9/30/22</a:t>
+              <a:t>9/24/23</a:t>
             </a:fld>
             <a:endParaRPr lang="en-US"/>
           </a:p>
@@ -4398,7 +4395,7 @@
             <a:fld id="{241EB5C9-1307-BA42-ABA2-0BC069CD8E7F}" type="datetimeFigureOut">
               <a:rPr lang="en-US" smtClean="0"/>
               <a:pPr/>
-              <a:t>9/30/22</a:t>
+              <a:t>9/24/23</a:t>
             </a:fld>
             <a:endParaRPr lang="en-US"/>
           </a:p>

--- a/_site/slides/week00/lecture.pptx
+++ b/_site/slides/week00/lecture.pptx
@@ -11,6 +11,10 @@
     <p:sldId id="259" r:id="rId5"/>
     <p:sldId id="260" r:id="rId6"/>
     <p:sldId id="261" r:id="rId7"/>
+    <p:sldId id="262" r:id="rId8"/>
+    <p:sldId id="263" r:id="rId9"/>
+    <p:sldId id="264" r:id="rId10"/>
+    <p:sldId id="265" r:id="rId11"/>
   </p:sldIdLst>
   <p:sldSz cx="12192000" cy="6858000"/>
   <p:notesSz cx="6858000" cy="9144000"/>
@@ -4974,6 +4978,193 @@
 </p:sld>
 </file>
 
+<file path=ppt/slides/slide10.xml><?xml version="1.0" encoding="utf-8"?>
+<p:sld xmlns:a="http://schemas.openxmlformats.org/drawingml/2006/main" xmlns:r="http://schemas.openxmlformats.org/officeDocument/2006/relationships" xmlns:p="http://schemas.openxmlformats.org/presentationml/2006/main">
+  <p:cSld>
+    <p:spTree>
+      <p:nvGrpSpPr>
+        <p:cNvPr id="1" name=""/>
+        <p:cNvGrpSpPr/>
+        <p:nvPr/>
+      </p:nvGrpSpPr>
+      <p:grpSpPr>
+        <a:xfrm>
+          <a:off x="0" y="0"/>
+          <a:ext cx="0" cy="0"/>
+          <a:chOff x="0" y="0"/>
+          <a:chExt cx="0" cy="0"/>
+        </a:xfrm>
+      </p:grpSpPr>
+      <p:sp>
+        <p:nvSpPr>
+          <p:cNvPr id="2" name="Title 1">
+            <a:extLst>
+              <a:ext uri="{FF2B5EF4-FFF2-40B4-BE49-F238E27FC236}">
+                <a16:creationId xmlns:a16="http://schemas.microsoft.com/office/drawing/2014/main" id="{DD9B8E45-0772-954C-8D4B-6E6808DFEDED}"/>
+              </a:ext>
+            </a:extLst>
+          </p:cNvPr>
+          <p:cNvSpPr>
+            <a:spLocks noGrp="1"/>
+          </p:cNvSpPr>
+          <p:nvPr>
+            <p:ph type="title"/>
+          </p:nvPr>
+        </p:nvSpPr>
+        <p:spPr>
+          <a:xfrm>
+            <a:off x="838200" y="365129"/>
+            <a:ext cx="10002520" cy="1325563"/>
+          </a:xfrm>
+          <a:prstGeom prst="rect">
+            <a:avLst/>
+          </a:prstGeom>
+        </p:spPr>
+        <p:txBody>
+          <a:bodyPr/>
+          <a:lstStyle/>
+          <a:p>
+            <a:pPr lvl="0" indent="0" marL="0">
+              <a:buNone/>
+            </a:pPr>
+            <a:r>
+              <a:rPr/>
+              <a:t>Thank you</a:t>
+            </a:r>
+          </a:p>
+        </p:txBody>
+      </p:sp>
+      <p:sp>
+        <p:nvSpPr>
+          <p:cNvPr id="3" name="Content Placeholder 2">
+            <a:extLst>
+              <a:ext uri="{FF2B5EF4-FFF2-40B4-BE49-F238E27FC236}">
+                <a16:creationId xmlns:a16="http://schemas.microsoft.com/office/drawing/2014/main" id="{A4EB24F9-04F1-C843-9D71-56C5C024552B}"/>
+              </a:ext>
+            </a:extLst>
+          </p:cNvPr>
+          <p:cNvSpPr>
+            <a:spLocks noGrp="1"/>
+          </p:cNvSpPr>
+          <p:nvPr>
+            <p:ph idx="1"/>
+          </p:nvPr>
+        </p:nvSpPr>
+        <p:spPr/>
+        <p:txBody>
+          <a:bodyPr/>
+          <a:lstStyle/>
+          <a:p>
+            <a:pPr lvl="0" indent="0" marL="0">
+              <a:spcBef>
+                <a:spcPts val="3000"/>
+              </a:spcBef>
+              <a:buNone/>
+            </a:pPr>
+            <a:r>
+              <a:rPr b="1"/>
+              <a:t>Thank you for your time</a:t>
+            </a:r>
+          </a:p>
+          <a:p>
+            <a:pPr lvl="0" indent="0" marL="0">
+              <a:buNone/>
+            </a:pPr>
+            <a:r>
+              <a:rPr/>
+              <a:t>And have an amazing year!</a:t>
+            </a:r>
+          </a:p>
+          <a:p>
+            <a:pPr lvl="0" indent="0" marL="0">
+              <a:buNone/>
+            </a:pPr>
+            <a:r>
+              <a:rPr/>
+              <a:t>The Research Methods Team</a:t>
+            </a:r>
+          </a:p>
+          <a:p>
+            <a:pPr lvl="0" indent="0" marL="0">
+              <a:spcBef>
+                <a:spcPts val="3000"/>
+              </a:spcBef>
+              <a:buNone/>
+            </a:pPr>
+            <a:r>
+              <a:rPr b="1"/>
+              <a:t>References</a:t>
+            </a:r>
+          </a:p>
+          <a:p>
+            <a:pPr lvl="0" indent="0" marL="0">
+              <a:buNone/>
+            </a:pPr>
+            <a:r>
+              <a:rPr/>
+              <a:t>Cohen, J. (1992). A power primer. </a:t>
+            </a:r>
+            <a:r>
+              <a:rPr i="1"/>
+              <a:t>Psychological Bulletin</a:t>
+            </a:r>
+            <a:r>
+              <a:rPr/>
+              <a:t>, </a:t>
+            </a:r>
+            <a:r>
+              <a:rPr i="1"/>
+              <a:t>112</a:t>
+            </a:r>
+            <a:r>
+              <a:rPr/>
+              <a:t>, 155–155. </a:t>
+            </a:r>
+            <a:r>
+              <a:rPr>
+                <a:hlinkClick r:id="rId2"/>
+              </a:rPr>
+              <a:t>https://doi.org/10.1037/0033-2909.112.1.155</a:t>
+            </a:r>
+          </a:p>
+          <a:p>
+            <a:pPr lvl="0" indent="0" marL="0">
+              <a:buNone/>
+            </a:pPr>
+            <a:r>
+              <a:rPr/>
+              <a:t>Wright, G. R. T., Berry, C. J., &amp; Bird, G. (2012). “You can’t kid a kidder”: association between production and detection of deception in an interactive deception task. u1 - wright2012. </a:t>
+            </a:r>
+            <a:r>
+              <a:rPr i="1"/>
+              <a:t>Frontiers in Human Neuroscience</a:t>
+            </a:r>
+            <a:r>
+              <a:rPr/>
+              <a:t>, </a:t>
+            </a:r>
+            <a:r>
+              <a:rPr i="1"/>
+              <a:t>6</a:t>
+            </a:r>
+            <a:r>
+              <a:rPr/>
+              <a:t>, 87. </a:t>
+            </a:r>
+            <a:r>
+              <a:rPr>
+                <a:hlinkClick r:id="rId3"/>
+              </a:rPr>
+              <a:t>https://doi.org/10.3389/fnhum.2012.00087</a:t>
+            </a:r>
+          </a:p>
+        </p:txBody>
+      </p:sp>
+    </p:spTree>
+  </p:cSld>
+</p:sld>
+</file>
+
 <file path=ppt/slides/slide2.xml><?xml version="1.0" encoding="utf-8"?>
 <p:sld xmlns:a="http://schemas.openxmlformats.org/drawingml/2006/main" xmlns:r="http://schemas.openxmlformats.org/officeDocument/2006/relationships" xmlns:p="http://schemas.openxmlformats.org/presentationml/2006/main">
   <p:cSld>
@@ -5153,174 +5344,6 @@
               <a:t>Heading 3 - italic emphasis</a:t>
             </a:r>
           </a:p>
-          <a:p>
-            <a:pPr lvl="0" indent="0" marL="0">
-              <a:spcBef>
-                <a:spcPts val="3000"/>
-              </a:spcBef>
-              <a:buNone/>
-            </a:pPr>
-            <a:r>
-              <a:rPr b="1"/>
-              <a:t>Spans for text accentuation - available in source mode</a:t>
-            </a:r>
-          </a:p>
-          <a:p>
-            <a:pPr lvl="0" indent="0" marL="0">
-              <a:buNone/>
-            </a:pPr>
-            <a:r>
-              <a:rPr/>
-              <a:t>.shout accent3(red) 1.5em and Bold</a:t>
-            </a:r>
-          </a:p>
-          <a:p>
-            <a:pPr lvl="0" indent="0" marL="0">
-              <a:buNone/>
-            </a:pPr>
-            <a:r>
-              <a:rPr/>
-              <a:t>.alert accent3(red) no change to font size</a:t>
-            </a:r>
-          </a:p>
-          <a:p>
-            <a:pPr lvl="0" indent="0" marL="0">
-              <a:buNone/>
-            </a:pPr>
-            <a:r>
-              <a:rPr/>
-              <a:t>.fg .bg</a:t>
-            </a:r>
-          </a:p>
-          <a:p>
-            <a:pPr lvl="0" indent="0" marL="0">
-              <a:buNone/>
-            </a:pPr>
-            <a:r>
-              <a:rPr/>
-              <a:t>.button accent1 whitetext button for link</a:t>
-            </a:r>
-          </a:p>
-          <a:p>
-            <a:pPr lvl="0" indent="0" marL="0">
-              <a:buNone/>
-            </a:pPr>
-            <a:r>
-              <a:rPr/>
-              <a:t>.button-success</a:t>
-            </a:r>
-          </a:p>
-          <a:p>
-            <a:pPr lvl="0" indent="0" marL="0">
-              <a:buNone/>
-            </a:pPr>
-            <a:r>
-              <a:rPr/>
-              <a:t>.takeaway</a:t>
-            </a:r>
-          </a:p>
-          <a:p>
-            <a:pPr lvl="0" indent="0" marL="0">
-              <a:buNone/>
-            </a:pPr>
-            <a:r>
-              <a:rPr/>
-              <a:t>.highlight</a:t>
-            </a:r>
-          </a:p>
-          <a:p>
-            <a:pPr lvl="0" indent="0" marL="0">
-              <a:spcBef>
-                <a:spcPts val="3000"/>
-              </a:spcBef>
-              <a:buNone/>
-            </a:pPr>
-            <a:r>
-              <a:rPr b="1"/>
-              <a:t>Citations</a:t>
-            </a:r>
-          </a:p>
-          <a:p>
-            <a:pPr lvl="0" indent="0" marL="0">
-              <a:buNone/>
-            </a:pPr>
-            <a:r>
-              <a:rPr/>
-              <a:t>Wright et al. (2012)</a:t>
-            </a:r>
-          </a:p>
-          <a:p>
-            <a:pPr lvl="0" indent="0" marL="0">
-              <a:buNone/>
-            </a:pPr>
-            <a:r>
-              <a:rPr/>
-              <a:t>Cohen (1992) In text citation </a:t>
-            </a:r>
-            <a:r>
-              <a:rPr>
-                <a:latin typeface="Courier"/>
-              </a:rPr>
-              <a:t>@Cohen1992</a:t>
-            </a:r>
-          </a:p>
-          <a:p>
-            <a:pPr lvl="0" indent="0" marL="0">
-              <a:buNone/>
-            </a:pPr>
-            <a:r>
-              <a:rPr/>
-              <a:t>(Cohen, 1992) not in-text citation `(Cohen, 1992)</a:t>
-            </a:r>
-          </a:p>
-          <a:p>
-            <a:pPr lvl="0" indent="0" marL="0">
-              <a:buNone/>
-            </a:pPr>
-            <a:r>
-              <a:rPr/>
-              <a:t>just type `@` and a search box comes up for your Zotero library or a .bib file associated with the project</a:t>
-            </a:r>
-          </a:p>
-          <a:p>
-            <a:pPr lvl="0" indent="0" marL="0">
-              <a:spcBef>
-                <a:spcPts val="3000"/>
-              </a:spcBef>
-              <a:buNone/>
-            </a:pPr>
-            <a:r>
-              <a:rPr b="1"/>
-              <a:t>Image|content 2 column</a:t>
-            </a:r>
-          </a:p>
-          <a:p>
-            <a:pPr lvl="0" indent="0" marL="0">
-              <a:buNone/>
-            </a:pPr>
-            <a:r>
-              <a:rPr/>
-              <a:t>Slide with image and commentary in two columns and some explanatory text above</a:t>
-            </a:r>
-          </a:p>
-          <a:p>
-            <a:pPr lvl="0" indent="0" marL="0">
-              <a:buNone/>
-            </a:pPr>
-            <a:r>
-              <a:rPr/>
-              <a:t>text text text text text text text text text text text text</a:t>
-            </a:r>
-          </a:p>
-          <a:p>
-            <a:pPr lvl="0" indent="0" marL="0">
-              <a:buNone/>
-            </a:pPr>
-            <a:r>
-              <a:rPr/>
-              <a:t>text text text text text text text text text text text text</a:t>
-            </a:r>
-          </a:p>
         </p:txBody>
       </p:sp>
     </p:spTree>
@@ -5329,6 +5352,424 @@
 </file>
 
 <file path=ppt/slides/slide4.xml><?xml version="1.0" encoding="utf-8"?>
+<p:sld xmlns:a="http://schemas.openxmlformats.org/drawingml/2006/main" xmlns:r="http://schemas.openxmlformats.org/officeDocument/2006/relationships" xmlns:p="http://schemas.openxmlformats.org/presentationml/2006/main">
+  <p:cSld>
+    <p:spTree>
+      <p:nvGrpSpPr>
+        <p:cNvPr id="1" name=""/>
+        <p:cNvGrpSpPr/>
+        <p:nvPr/>
+      </p:nvGrpSpPr>
+      <p:grpSpPr>
+        <a:xfrm>
+          <a:off x="0" y="0"/>
+          <a:ext cx="0" cy="0"/>
+          <a:chOff x="0" y="0"/>
+          <a:chExt cx="0" cy="0"/>
+        </a:xfrm>
+      </p:grpSpPr>
+      <p:sp>
+        <p:nvSpPr>
+          <p:cNvPr id="2" name="Title 1">
+            <a:extLst>
+              <a:ext uri="{FF2B5EF4-FFF2-40B4-BE49-F238E27FC236}">
+                <a16:creationId xmlns:a16="http://schemas.microsoft.com/office/drawing/2014/main" id="{DD9B8E45-0772-954C-8D4B-6E6808DFEDED}"/>
+              </a:ext>
+            </a:extLst>
+          </p:cNvPr>
+          <p:cNvSpPr>
+            <a:spLocks noGrp="1"/>
+          </p:cNvSpPr>
+          <p:nvPr>
+            <p:ph type="title"/>
+          </p:nvPr>
+        </p:nvSpPr>
+        <p:spPr>
+          <a:xfrm>
+            <a:off x="838200" y="365129"/>
+            <a:ext cx="10002520" cy="1325563"/>
+          </a:xfrm>
+          <a:prstGeom prst="rect">
+            <a:avLst/>
+          </a:prstGeom>
+        </p:spPr>
+        <p:txBody>
+          <a:bodyPr/>
+          <a:lstStyle/>
+          <a:p>
+            <a:pPr lvl="0" indent="0" marL="0">
+              <a:buNone/>
+            </a:pPr>
+            <a:r>
+              <a:rPr/>
+              <a:t>2 Column</a:t>
+            </a:r>
+          </a:p>
+        </p:txBody>
+      </p:sp>
+      <p:sp>
+        <p:nvSpPr>
+          <p:cNvPr id="3" name="Content Placeholder 2">
+            <a:extLst>
+              <a:ext uri="{FF2B5EF4-FFF2-40B4-BE49-F238E27FC236}">
+                <a16:creationId xmlns:a16="http://schemas.microsoft.com/office/drawing/2014/main" id="{A4EB24F9-04F1-C843-9D71-56C5C024552B}"/>
+              </a:ext>
+            </a:extLst>
+          </p:cNvPr>
+          <p:cNvSpPr>
+            <a:spLocks noGrp="1"/>
+          </p:cNvSpPr>
+          <p:nvPr>
+            <p:ph idx="1"/>
+          </p:nvPr>
+        </p:nvSpPr>
+        <p:spPr/>
+        <p:txBody>
+          <a:bodyPr/>
+          <a:lstStyle/>
+          <a:p>
+            <a:pPr lvl="0" indent="0" marL="0">
+              <a:spcBef>
+                <a:spcPts val="3000"/>
+              </a:spcBef>
+              <a:buNone/>
+            </a:pPr>
+            <a:r>
+              <a:rPr b="1"/>
+              <a:t>2 column here</a:t>
+            </a:r>
+          </a:p>
+        </p:txBody>
+      </p:sp>
+    </p:spTree>
+  </p:cSld>
+</p:sld>
+</file>
+
+<file path=ppt/slides/slide5.xml><?xml version="1.0" encoding="utf-8"?>
+<p:sld xmlns:a="http://schemas.openxmlformats.org/drawingml/2006/main" xmlns:r="http://schemas.openxmlformats.org/officeDocument/2006/relationships" xmlns:p="http://schemas.openxmlformats.org/presentationml/2006/main">
+  <p:cSld>
+    <p:spTree>
+      <p:nvGrpSpPr>
+        <p:cNvPr id="1" name=""/>
+        <p:cNvGrpSpPr/>
+        <p:nvPr/>
+      </p:nvGrpSpPr>
+      <p:grpSpPr>
+        <a:xfrm>
+          <a:off x="0" y="0"/>
+          <a:ext cx="0" cy="0"/>
+          <a:chOff x="0" y="0"/>
+          <a:chExt cx="0" cy="0"/>
+        </a:xfrm>
+      </p:grpSpPr>
+      <p:sp>
+        <p:nvSpPr>
+          <p:cNvPr id="3" name="Content Placeholder 2">
+            <a:extLst>
+              <a:ext uri="{FF2B5EF4-FFF2-40B4-BE49-F238E27FC236}">
+                <a16:creationId xmlns:a16="http://schemas.microsoft.com/office/drawing/2014/main" id="{63FA7BF1-44B1-744C-AB68-4BB0A6A5977E}"/>
+              </a:ext>
+            </a:extLst>
+          </p:cNvPr>
+          <p:cNvSpPr>
+            <a:spLocks noGrp="1"/>
+          </p:cNvSpPr>
+          <p:nvPr>
+            <p:ph idx="1" sz="half"/>
+          </p:nvPr>
+        </p:nvSpPr>
+        <p:spPr/>
+        <p:txBody>
+          <a:bodyPr/>
+          <a:lstStyle/>
+          <a:p>
+            <a:pPr lvl="0" indent="0" marL="0">
+              <a:buNone/>
+            </a:pPr>
+            <a:r>
+              <a:rPr/>
+              <a:t>Left Column</a:t>
+            </a:r>
+          </a:p>
+          <a:p>
+            <a:pPr lvl="0" indent="0" marL="0">
+              <a:buNone/>
+            </a:pPr>
+            <a:r>
+              <a:rPr/>
+              <a:t>again</a:t>
+            </a:r>
+          </a:p>
+          <a:p>
+            <a:pPr lvl="0" indent="0" marL="0">
+              <a:buNone/>
+            </a:pPr>
+            <a:r>
+              <a:rPr/>
+              <a:t>aesst</a:t>
+            </a:r>
+          </a:p>
+        </p:txBody>
+      </p:sp>
+      <p:sp>
+        <p:nvSpPr>
+          <p:cNvPr id="4" name="Content Placeholder 3">
+            <a:extLst>
+              <a:ext uri="{FF2B5EF4-FFF2-40B4-BE49-F238E27FC236}">
+                <a16:creationId xmlns:a16="http://schemas.microsoft.com/office/drawing/2014/main" id="{3B974A49-6A1E-2F48-B419-02B0A17B9692}"/>
+              </a:ext>
+            </a:extLst>
+          </p:cNvPr>
+          <p:cNvSpPr>
+            <a:spLocks noGrp="1"/>
+          </p:cNvSpPr>
+          <p:nvPr>
+            <p:ph idx="2" sz="half"/>
+          </p:nvPr>
+        </p:nvSpPr>
+        <p:spPr/>
+        <p:txBody>
+          <a:bodyPr/>
+          <a:lstStyle/>
+          <a:p>
+            <a:pPr lvl="0" indent="0" marL="0">
+              <a:buNone/>
+            </a:pPr>
+            <a:r>
+              <a:rPr/>
+              <a:t>Right columnn</a:t>
+            </a:r>
+          </a:p>
+          <a:p>
+            <a:pPr lvl="0" indent="0" marL="0">
+              <a:buNone/>
+            </a:pPr>
+            <a:r>
+              <a:rPr/>
+              <a:t>ahdn here is more</a:t>
+            </a:r>
+          </a:p>
+        </p:txBody>
+      </p:sp>
+    </p:spTree>
+  </p:cSld>
+</p:sld>
+</file>
+
+<file path=ppt/slides/slide6.xml><?xml version="1.0" encoding="utf-8"?>
+<p:sld xmlns:a="http://schemas.openxmlformats.org/drawingml/2006/main" xmlns:r="http://schemas.openxmlformats.org/officeDocument/2006/relationships" xmlns:p="http://schemas.openxmlformats.org/presentationml/2006/main">
+  <p:cSld>
+    <p:spTree>
+      <p:nvGrpSpPr>
+        <p:cNvPr id="1" name=""/>
+        <p:cNvGrpSpPr/>
+        <p:nvPr/>
+      </p:nvGrpSpPr>
+      <p:grpSpPr>
+        <a:xfrm>
+          <a:off x="0" y="0"/>
+          <a:ext cx="0" cy="0"/>
+          <a:chOff x="0" y="0"/>
+          <a:chExt cx="0" cy="0"/>
+        </a:xfrm>
+      </p:grpSpPr>
+      <p:sp>
+        <p:nvSpPr>
+          <p:cNvPr id="3" name="Content Placeholder 2">
+            <a:extLst>
+              <a:ext uri="{FF2B5EF4-FFF2-40B4-BE49-F238E27FC236}">
+                <a16:creationId xmlns:a16="http://schemas.microsoft.com/office/drawing/2014/main" id="{A4EB24F9-04F1-C843-9D71-56C5C024552B}"/>
+              </a:ext>
+            </a:extLst>
+          </p:cNvPr>
+          <p:cNvSpPr>
+            <a:spLocks noGrp="1"/>
+          </p:cNvSpPr>
+          <p:nvPr>
+            <p:ph idx="1"/>
+          </p:nvPr>
+        </p:nvSpPr>
+        <p:spPr/>
+        <p:txBody>
+          <a:bodyPr/>
+          <a:lstStyle/>
+          <a:p>
+            <a:pPr lvl="0" indent="0" marL="0">
+              <a:spcBef>
+                <a:spcPts val="3000"/>
+              </a:spcBef>
+              <a:buNone/>
+            </a:pPr>
+            <a:r>
+              <a:rPr b="1"/>
+              <a:t>Spans for text accentuation - available in source mode</a:t>
+            </a:r>
+          </a:p>
+          <a:p>
+            <a:pPr lvl="0" indent="0" marL="0">
+              <a:buNone/>
+            </a:pPr>
+            <a:r>
+              <a:rPr/>
+              <a:t>.shout accent3(red) 1.5em and Bold</a:t>
+            </a:r>
+          </a:p>
+          <a:p>
+            <a:pPr lvl="0" indent="0" marL="0">
+              <a:buNone/>
+            </a:pPr>
+            <a:r>
+              <a:rPr/>
+              <a:t>.alert accent3(red) no change to font size</a:t>
+            </a:r>
+          </a:p>
+          <a:p>
+            <a:pPr lvl="0" indent="0" marL="0">
+              <a:buNone/>
+            </a:pPr>
+            <a:r>
+              <a:rPr/>
+              <a:t>.fg .bg</a:t>
+            </a:r>
+          </a:p>
+          <a:p>
+            <a:pPr lvl="0" indent="0" marL="0">
+              <a:buNone/>
+            </a:pPr>
+            <a:r>
+              <a:rPr/>
+              <a:t>.button accent1 whitetext button for link</a:t>
+            </a:r>
+          </a:p>
+          <a:p>
+            <a:pPr lvl="0" indent="0" marL="0">
+              <a:buNone/>
+            </a:pPr>
+            <a:r>
+              <a:rPr/>
+              <a:t>.button-success</a:t>
+            </a:r>
+          </a:p>
+          <a:p>
+            <a:pPr lvl="0" indent="0" marL="0">
+              <a:buNone/>
+            </a:pPr>
+            <a:r>
+              <a:rPr/>
+              <a:t>.takeaway</a:t>
+            </a:r>
+          </a:p>
+          <a:p>
+            <a:pPr lvl="0" indent="0" marL="0">
+              <a:buNone/>
+            </a:pPr>
+            <a:r>
+              <a:rPr/>
+              <a:t>.highlight</a:t>
+            </a:r>
+          </a:p>
+          <a:p>
+            <a:pPr lvl="0" indent="0" marL="0">
+              <a:spcBef>
+                <a:spcPts val="3000"/>
+              </a:spcBef>
+              <a:buNone/>
+            </a:pPr>
+            <a:r>
+              <a:rPr b="1"/>
+              <a:t>Citations</a:t>
+            </a:r>
+          </a:p>
+          <a:p>
+            <a:pPr lvl="0" indent="0" marL="0">
+              <a:buNone/>
+            </a:pPr>
+            <a:r>
+              <a:rPr/>
+              <a:t>Wright et al. (2012)</a:t>
+            </a:r>
+          </a:p>
+          <a:p>
+            <a:pPr lvl="0" indent="0" marL="0">
+              <a:buNone/>
+            </a:pPr>
+            <a:r>
+              <a:rPr/>
+              <a:t>Cohen (1992) In text citation </a:t>
+            </a:r>
+            <a:r>
+              <a:rPr>
+                <a:latin typeface="Courier"/>
+              </a:rPr>
+              <a:t>@Cohen1992</a:t>
+            </a:r>
+          </a:p>
+          <a:p>
+            <a:pPr lvl="0" indent="0" marL="0">
+              <a:buNone/>
+            </a:pPr>
+            <a:r>
+              <a:rPr/>
+              <a:t>(Cohen, 1992) not in-text citation `(Cohen, 1992)</a:t>
+            </a:r>
+          </a:p>
+          <a:p>
+            <a:pPr lvl="0" indent="0" marL="0">
+              <a:buNone/>
+            </a:pPr>
+            <a:r>
+              <a:rPr/>
+              <a:t>just type `@` and a search box comes up for your Zotero library or a .bib file associated with the project</a:t>
+            </a:r>
+          </a:p>
+          <a:p>
+            <a:pPr lvl="0" indent="0" marL="0">
+              <a:spcBef>
+                <a:spcPts val="3000"/>
+              </a:spcBef>
+              <a:buNone/>
+            </a:pPr>
+            <a:r>
+              <a:rPr b="1"/>
+              <a:t>Image|content 2 column</a:t>
+            </a:r>
+          </a:p>
+          <a:p>
+            <a:pPr lvl="0" indent="0" marL="0">
+              <a:buNone/>
+            </a:pPr>
+            <a:r>
+              <a:rPr/>
+              <a:t>Slide with image and commentary in two columns and some explanatory text above</a:t>
+            </a:r>
+          </a:p>
+          <a:p>
+            <a:pPr lvl="0" indent="0" marL="0">
+              <a:buNone/>
+            </a:pPr>
+            <a:r>
+              <a:rPr/>
+              <a:t>text text text text text text text text text text text text</a:t>
+            </a:r>
+          </a:p>
+          <a:p>
+            <a:pPr lvl="0" indent="0" marL="0">
+              <a:buNone/>
+            </a:pPr>
+            <a:r>
+              <a:rPr/>
+              <a:t>text text text text text text text text text text text text</a:t>
+            </a:r>
+          </a:p>
+        </p:txBody>
+      </p:sp>
+    </p:spTree>
+  </p:cSld>
+</p:sld>
+</file>
+
+<file path=ppt/slides/slide7.xml><?xml version="1.0" encoding="utf-8"?>
 <p:sld xmlns:a="http://schemas.openxmlformats.org/drawingml/2006/main" xmlns:r="http://schemas.openxmlformats.org/officeDocument/2006/relationships" xmlns:p="http://schemas.openxmlformats.org/presentationml/2006/main">
   <p:cSld>
     <p:spTree>
@@ -5432,7 +5873,7 @@
 </p:sld>
 </file>
 
-<file path=ppt/slides/slide5.xml><?xml version="1.0" encoding="utf-8"?>
+<file path=ppt/slides/slide8.xml><?xml version="1.0" encoding="utf-8"?>
 <p:sld xmlns:a="http://schemas.openxmlformats.org/drawingml/2006/main" xmlns:r="http://schemas.openxmlformats.org/officeDocument/2006/relationships" xmlns:p="http://schemas.openxmlformats.org/presentationml/2006/main">
   <p:cSld>
     <p:spTree>
@@ -5500,42 +5941,6 @@
             <a:r>
               <a:rPr sz="2000" b="1"/>
               <a:t>Note default</a:t>
-            </a:r>
-          </a:p>
-          <a:p>
-            <a:pPr lvl="0" indent="0" marL="1270000">
-              <a:buNone/>
-            </a:pPr>
-            <a:r>
-              <a:rPr sz="2000"/>
-              <a:t>content</a:t>
-            </a:r>
-          </a:p>
-          <a:p>
-            <a:pPr lvl="0" indent="0" marL="1270000">
-              <a:buNone/>
-            </a:pPr>
-            <a:r>
-              <a:rPr sz="2000" b="1"/>
-              <a:t>Note simple</a:t>
-            </a:r>
-          </a:p>
-          <a:p>
-            <a:pPr lvl="0" indent="0" marL="1270000">
-              <a:buNone/>
-            </a:pPr>
-            <a:r>
-              <a:rPr sz="2000"/>
-              <a:t>content</a:t>
-            </a:r>
-          </a:p>
-          <a:p>
-            <a:pPr lvl="0" indent="0" marL="1270000">
-              <a:buNone/>
-            </a:pPr>
-            <a:r>
-              <a:rPr sz="2000" b="1"/>
-              <a:t>Note minimal</a:t>
             </a:r>
           </a:p>
           <a:p>
@@ -5856,7 +6261,7 @@
 </p:sld>
 </file>
 
-<file path=ppt/slides/slide6.xml><?xml version="1.0" encoding="utf-8"?>
+<file path=ppt/slides/slide9.xml><?xml version="1.0" encoding="utf-8"?>
 <p:sld xmlns:a="http://schemas.openxmlformats.org/drawingml/2006/main" xmlns:r="http://schemas.openxmlformats.org/officeDocument/2006/relationships" xmlns:p="http://schemas.openxmlformats.org/presentationml/2006/main">
   <p:cSld>
     <p:spTree>
@@ -5946,6 +6351,15 @@
           </a:p>
           <a:p>
             <a:pPr lvl="0" indent="0" marL="0">
+              <a:buNone/>
+            </a:pPr>
+            <a:r>
+              <a:rPr/>
+              <a:t>here is some content</a:t>
+            </a:r>
+          </a:p>
+          <a:p>
+            <a:pPr lvl="0" indent="0" marL="0">
               <a:spcBef>
                 <a:spcPts val="3000"/>
               </a:spcBef>
@@ -6537,110 +6951,6 @@
             <a:r>
               <a:rPr/>
               <a:t>Open Educational Resources will be used extensively, and most core readings are available online via the library.</a:t>
-            </a:r>
-          </a:p>
-          <a:p>
-            <a:pPr lvl="0" indent="0" marL="0">
-              <a:spcBef>
-                <a:spcPts val="3000"/>
-              </a:spcBef>
-              <a:buNone/>
-            </a:pPr>
-            <a:r>
-              <a:rPr b="1"/>
-              <a:t>Thank you for your time</a:t>
-            </a:r>
-          </a:p>
-          <a:p>
-            <a:pPr lvl="0" indent="0" marL="0">
-              <a:buNone/>
-            </a:pPr>
-            <a:r>
-              <a:rPr/>
-              <a:t>And have an amazing year!</a:t>
-            </a:r>
-          </a:p>
-          <a:p>
-            <a:pPr lvl="0" indent="0" marL="0">
-              <a:buNone/>
-            </a:pPr>
-            <a:r>
-              <a:rPr/>
-              <a:t>The Research Methods Team</a:t>
-            </a:r>
-          </a:p>
-          <a:p>
-            <a:pPr lvl="0" indent="0" marL="0">
-              <a:spcBef>
-                <a:spcPts val="3000"/>
-              </a:spcBef>
-              <a:buNone/>
-            </a:pPr>
-            <a:r>
-              <a:rPr b="1"/>
-              <a:t>References</a:t>
-            </a:r>
-          </a:p>
-          <a:p>
-            <a:pPr lvl="0" indent="0" marL="0">
-              <a:buNone/>
-            </a:pPr>
-            <a:r>
-              <a:rPr/>
-              <a:t>Cohen, J. (1992). A power primer. </a:t>
-            </a:r>
-            <a:r>
-              <a:rPr i="1"/>
-              <a:t>Psychological Bulletin</a:t>
-            </a:r>
-            <a:r>
-              <a:rPr/>
-              <a:t>, </a:t>
-            </a:r>
-            <a:r>
-              <a:rPr i="1"/>
-              <a:t>112</a:t>
-            </a:r>
-            <a:r>
-              <a:rPr/>
-              <a:t>, 155–155. </a:t>
-            </a:r>
-            <a:r>
-              <a:rPr>
-                <a:hlinkClick r:id="rId2"/>
-              </a:rPr>
-              <a:t>https://doi.org/10.1037/0033-2909.112.1.155</a:t>
-            </a:r>
-          </a:p>
-          <a:p>
-            <a:pPr lvl="0" indent="0" marL="0">
-              <a:buNone/>
-            </a:pPr>
-            <a:r>
-              <a:rPr/>
-              <a:t>Wright, G. R. T., Berry, C. J., &amp; Bird, G. (2012). “You can’t kid a kidder”: association between production and detection of deception in an interactive deception task. u1 - wright2012. </a:t>
-            </a:r>
-            <a:r>
-              <a:rPr i="1"/>
-              <a:t>Frontiers in Human Neuroscience</a:t>
-            </a:r>
-            <a:r>
-              <a:rPr/>
-              <a:t>, </a:t>
-            </a:r>
-            <a:r>
-              <a:rPr i="1"/>
-              <a:t>6</a:t>
-            </a:r>
-            <a:r>
-              <a:rPr/>
-              <a:t>, 87. </a:t>
-            </a:r>
-            <a:r>
-              <a:rPr>
-                <a:hlinkClick r:id="rId3"/>
-              </a:rPr>
-              <a:t>https://doi.org/10.3389/fnhum.2012.00087</a:t>
             </a:r>
           </a:p>
         </p:txBody>

--- a/_site/slides/week00/lecture.pptx
+++ b/_site/slides/week00/lecture.pptx
@@ -15,6 +15,13 @@
     <p:sldId id="263" r:id="rId9"/>
     <p:sldId id="264" r:id="rId10"/>
     <p:sldId id="265" r:id="rId11"/>
+    <p:sldId id="266" r:id="rId12"/>
+    <p:sldId id="267" r:id="rId13"/>
+    <p:sldId id="268" r:id="rId14"/>
+    <p:sldId id="269" r:id="rId15"/>
+    <p:sldId id="270" r:id="rId16"/>
+    <p:sldId id="271" r:id="rId17"/>
+    <p:sldId id="272" r:id="rId18"/>
   </p:sldIdLst>
   <p:sldSz cx="12192000" cy="6858000"/>
   <p:notesSz cx="6858000" cy="9144000"/>
@@ -5029,7 +5036,7 @@
             </a:pPr>
             <a:r>
               <a:rPr/>
-              <a:t>Thank you</a:t>
+              <a:t>A friendly warning</a:t>
             </a:r>
           </a:p>
         </p:txBody>
@@ -5055,17 +5062,805 @@
           <a:bodyPr/>
           <a:lstStyle/>
           <a:p>
+            <a:pPr lvl="0" indent="0" marL="1270000">
+              <a:buNone/>
+            </a:pPr>
+            <a:r>
+              <a:rPr sz="2000" b="1"/>
+              <a:t>Warning</a:t>
+            </a:r>
+          </a:p>
+          <a:p>
+            <a:pPr lvl="0" indent="0" marL="1270000">
+              <a:buNone/>
+            </a:pPr>
+            <a:r>
+              <a:rPr sz="2000"/>
+              <a:t>All coursework is INDIVIDUAL and subject to normal plagiarism and collusion rules</a:t>
+            </a:r>
+          </a:p>
+        </p:txBody>
+      </p:sp>
+    </p:spTree>
+  </p:cSld>
+</p:sld>
+</file>
+
+<file path=ppt/slides/slide11.xml><?xml version="1.0" encoding="utf-8"?>
+<p:sld xmlns:a="http://schemas.openxmlformats.org/drawingml/2006/main" xmlns:r="http://schemas.openxmlformats.org/officeDocument/2006/relationships" xmlns:p="http://schemas.openxmlformats.org/presentationml/2006/main">
+  <p:cSld>
+    <p:spTree>
+      <p:nvGrpSpPr>
+        <p:cNvPr id="1" name=""/>
+        <p:cNvGrpSpPr/>
+        <p:nvPr/>
+      </p:nvGrpSpPr>
+      <p:grpSpPr>
+        <a:xfrm>
+          <a:off x="0" y="0"/>
+          <a:ext cx="0" cy="0"/>
+          <a:chOff x="0" y="0"/>
+          <a:chExt cx="0" cy="0"/>
+        </a:xfrm>
+      </p:grpSpPr>
+      <p:sp>
+        <p:nvSpPr>
+          <p:cNvPr id="2" name="Title 1">
+            <a:extLst>
+              <a:ext uri="{FF2B5EF4-FFF2-40B4-BE49-F238E27FC236}">
+                <a16:creationId xmlns:a16="http://schemas.microsoft.com/office/drawing/2014/main" id="{DD9B8E45-0772-954C-8D4B-6E6808DFEDED}"/>
+              </a:ext>
+            </a:extLst>
+          </p:cNvPr>
+          <p:cNvSpPr>
+            <a:spLocks noGrp="1"/>
+          </p:cNvSpPr>
+          <p:nvPr>
+            <p:ph type="title"/>
+          </p:nvPr>
+        </p:nvSpPr>
+        <p:spPr>
+          <a:xfrm>
+            <a:off x="838200" y="365129"/>
+            <a:ext cx="10002520" cy="1325563"/>
+          </a:xfrm>
+          <a:prstGeom prst="rect">
+            <a:avLst/>
+          </a:prstGeom>
+        </p:spPr>
+        <p:txBody>
+          <a:bodyPr/>
+          <a:lstStyle/>
+          <a:p>
             <a:pPr lvl="0" indent="0" marL="0">
-              <a:spcBef>
-                <a:spcPts val="3000"/>
-              </a:spcBef>
               <a:buNone/>
             </a:pPr>
             <a:r>
+              <a:rPr/>
+              <a:t>Module structure</a:t>
+            </a:r>
+          </a:p>
+        </p:txBody>
+      </p:sp>
+      <p:sp>
+        <p:nvSpPr>
+          <p:cNvPr id="3" name="Content Placeholder 2">
+            <a:extLst>
+              <a:ext uri="{FF2B5EF4-FFF2-40B4-BE49-F238E27FC236}">
+                <a16:creationId xmlns:a16="http://schemas.microsoft.com/office/drawing/2014/main" id="{A4EB24F9-04F1-C843-9D71-56C5C024552B}"/>
+              </a:ext>
+            </a:extLst>
+          </p:cNvPr>
+          <p:cNvSpPr>
+            <a:spLocks noGrp="1"/>
+          </p:cNvSpPr>
+          <p:nvPr>
+            <p:ph idx="1"/>
+          </p:nvPr>
+        </p:nvSpPr>
+        <p:spPr/>
+        <p:txBody>
+          <a:bodyPr/>
+          <a:lstStyle/>
+          <a:p>
+            <a:pPr lvl="0" indent="0" marL="0">
+              <a:buNone/>
+            </a:pPr>
+            <a:r>
+              <a:rPr/>
+              <a:t>1 x 1 hr Lecture per week (Monday)</a:t>
+            </a:r>
+          </a:p>
+          <a:p>
+            <a:pPr lvl="0" indent="0" marL="0">
+              <a:buNone/>
+            </a:pPr>
+            <a:r>
+              <a:rPr/>
+              <a:t>1 x 2 hr Lab per week (Tuesday)</a:t>
+            </a:r>
+          </a:p>
+          <a:p>
+            <a:pPr lvl="0" indent="0" marL="0">
+              <a:buNone/>
+            </a:pPr>
+            <a:r>
+              <a:rPr/>
+              <a:t>4 x Personal Tutor meetings across the year</a:t>
+            </a:r>
+          </a:p>
+        </p:txBody>
+      </p:sp>
+    </p:spTree>
+  </p:cSld>
+</p:sld>
+</file>
+
+<file path=ppt/slides/slide12.xml><?xml version="1.0" encoding="utf-8"?>
+<p:sld xmlns:a="http://schemas.openxmlformats.org/drawingml/2006/main" xmlns:r="http://schemas.openxmlformats.org/officeDocument/2006/relationships" xmlns:p="http://schemas.openxmlformats.org/presentationml/2006/main">
+  <p:cSld>
+    <p:spTree>
+      <p:nvGrpSpPr>
+        <p:cNvPr id="1" name=""/>
+        <p:cNvGrpSpPr/>
+        <p:nvPr/>
+      </p:nvGrpSpPr>
+      <p:grpSpPr>
+        <a:xfrm>
+          <a:off x="0" y="0"/>
+          <a:ext cx="0" cy="0"/>
+          <a:chOff x="0" y="0"/>
+          <a:chExt cx="0" cy="0"/>
+        </a:xfrm>
+      </p:grpSpPr>
+      <p:sp>
+        <p:nvSpPr>
+          <p:cNvPr id="2" name="Title 1">
+            <a:extLst>
+              <a:ext uri="{FF2B5EF4-FFF2-40B4-BE49-F238E27FC236}">
+                <a16:creationId xmlns:a16="http://schemas.microsoft.com/office/drawing/2014/main" id="{DD9B8E45-0772-954C-8D4B-6E6808DFEDED}"/>
+              </a:ext>
+            </a:extLst>
+          </p:cNvPr>
+          <p:cNvSpPr>
+            <a:spLocks noGrp="1"/>
+          </p:cNvSpPr>
+          <p:nvPr>
+            <p:ph type="title"/>
+          </p:nvPr>
+        </p:nvSpPr>
+        <p:spPr>
+          <a:xfrm>
+            <a:off x="838200" y="365129"/>
+            <a:ext cx="10002520" cy="1325563"/>
+          </a:xfrm>
+          <a:prstGeom prst="rect">
+            <a:avLst/>
+          </a:prstGeom>
+        </p:spPr>
+        <p:txBody>
+          <a:bodyPr/>
+          <a:lstStyle/>
+          <a:p>
+            <a:pPr lvl="0" indent="0" marL="0">
+              <a:buNone/>
+            </a:pPr>
+            <a:r>
+              <a:rPr/>
+              <a:t>Weekly Structure</a:t>
+            </a:r>
+          </a:p>
+        </p:txBody>
+      </p:sp>
+      <p:sp>
+        <p:nvSpPr>
+          <p:cNvPr id="3" name="Content Placeholder 2">
+            <a:extLst>
+              <a:ext uri="{FF2B5EF4-FFF2-40B4-BE49-F238E27FC236}">
+                <a16:creationId xmlns:a16="http://schemas.microsoft.com/office/drawing/2014/main" id="{A4EB24F9-04F1-C843-9D71-56C5C024552B}"/>
+              </a:ext>
+            </a:extLst>
+          </p:cNvPr>
+          <p:cNvSpPr>
+            <a:spLocks noGrp="1"/>
+          </p:cNvSpPr>
+          <p:nvPr>
+            <p:ph idx="1"/>
+          </p:nvPr>
+        </p:nvSpPr>
+        <p:spPr/>
+        <p:txBody>
+          <a:bodyPr/>
+          <a:lstStyle/>
+          <a:p>
+            <a:pPr lvl="0" indent="0" marL="0">
+              <a:buNone/>
+            </a:pPr>
+            <a:r>
+              <a:rPr/>
+              <a:t>Each week there will be a very brief ‘</a:t>
+            </a:r>
+            <a:r>
               <a:rPr b="1"/>
+              <a:t>Prelude</a:t>
+            </a:r>
+            <a:r>
+              <a:rPr/>
+              <a:t>’ designed to introduce one of the main topics of the week</a:t>
+            </a:r>
+          </a:p>
+          <a:p>
+            <a:pPr lvl="0" indent="0" marL="0">
+              <a:buNone/>
+            </a:pPr>
+            <a:r>
+              <a:rPr b="1"/>
+              <a:t>Lecture</a:t>
+            </a:r>
+            <a:r>
+              <a:rPr/>
+              <a:t> (slides and recording posted afterwards)</a:t>
+            </a:r>
+          </a:p>
+          <a:p>
+            <a:pPr lvl="0" indent="0" marL="0">
+              <a:buNone/>
+            </a:pPr>
+            <a:r>
+              <a:rPr b="1"/>
+              <a:t>Lab Activity</a:t>
+            </a:r>
+          </a:p>
+          <a:p>
+            <a:pPr lvl="0"/>
+            <a:r>
+              <a:rPr b="1"/>
+              <a:t>‘Pulse’</a:t>
+            </a:r>
+            <a:r>
+              <a:rPr/>
+              <a:t> taken on entry - 2 minute quiz</a:t>
+            </a:r>
+          </a:p>
+          <a:p>
+            <a:pPr lvl="0"/>
+            <a:r>
+              <a:rPr b="1"/>
+              <a:t>Lab Notebook</a:t>
+            </a:r>
+            <a:r>
+              <a:rPr/>
+              <a:t> with brief ‘generative activities’ and opportunities for metacognitive reflection</a:t>
+            </a:r>
+          </a:p>
+          <a:p>
+            <a:pPr lvl="0"/>
+            <a:r>
+              <a:rPr/>
+              <a:t>Extras provided around skills or applications or just interesting factoids</a:t>
+            </a:r>
+          </a:p>
+          <a:p>
+            <a:pPr lvl="0"/>
+            <a:r>
+              <a:rPr/>
+              <a:t>Lots can be achieved in the labs, but independent study and coordinated group work will be required</a:t>
+            </a:r>
+          </a:p>
+          <a:p>
+            <a:pPr lvl="0" indent="0" marL="0">
+              <a:buNone/>
+            </a:pPr>
+            <a:r>
+              <a:rPr/>
+              <a:t>NO EXAM</a:t>
+            </a:r>
+          </a:p>
+        </p:txBody>
+      </p:sp>
+    </p:spTree>
+  </p:cSld>
+</p:sld>
+</file>
+
+<file path=ppt/slides/slide13.xml><?xml version="1.0" encoding="utf-8"?>
+<p:sld xmlns:a="http://schemas.openxmlformats.org/drawingml/2006/main" xmlns:r="http://schemas.openxmlformats.org/officeDocument/2006/relationships" xmlns:p="http://schemas.openxmlformats.org/presentationml/2006/main">
+  <p:cSld>
+    <p:spTree>
+      <p:nvGrpSpPr>
+        <p:cNvPr id="1" name=""/>
+        <p:cNvGrpSpPr/>
+        <p:nvPr/>
+      </p:nvGrpSpPr>
+      <p:grpSpPr>
+        <a:xfrm>
+          <a:off x="0" y="0"/>
+          <a:ext cx="0" cy="0"/>
+          <a:chOff x="0" y="0"/>
+          <a:chExt cx="0" cy="0"/>
+        </a:xfrm>
+      </p:grpSpPr>
+      <p:sp>
+        <p:nvSpPr>
+          <p:cNvPr id="2" name="Title 1">
+            <a:extLst>
+              <a:ext uri="{FF2B5EF4-FFF2-40B4-BE49-F238E27FC236}">
+                <a16:creationId xmlns:a16="http://schemas.microsoft.com/office/drawing/2014/main" id="{DD9B8E45-0772-954C-8D4B-6E6808DFEDED}"/>
+              </a:ext>
+            </a:extLst>
+          </p:cNvPr>
+          <p:cNvSpPr>
+            <a:spLocks noGrp="1"/>
+          </p:cNvSpPr>
+          <p:nvPr>
+            <p:ph type="title"/>
+          </p:nvPr>
+        </p:nvSpPr>
+        <p:spPr>
+          <a:xfrm>
+            <a:off x="838200" y="365129"/>
+            <a:ext cx="10002520" cy="1325563"/>
+          </a:xfrm>
+          <a:prstGeom prst="rect">
+            <a:avLst/>
+          </a:prstGeom>
+        </p:spPr>
+        <p:txBody>
+          <a:bodyPr/>
+          <a:lstStyle/>
+          <a:p>
+            <a:pPr lvl="0" indent="0" marL="0">
+              <a:buNone/>
+            </a:pPr>
+            <a:r>
+              <a:rPr/>
+              <a:t>Coursework</a:t>
+            </a:r>
+          </a:p>
+        </p:txBody>
+      </p:sp>
+      <p:sp>
+        <p:nvSpPr>
+          <p:cNvPr id="3" name="Content Placeholder 2">
+            <a:extLst>
+              <a:ext uri="{FF2B5EF4-FFF2-40B4-BE49-F238E27FC236}">
+                <a16:creationId xmlns:a16="http://schemas.microsoft.com/office/drawing/2014/main" id="{A4EB24F9-04F1-C843-9D71-56C5C024552B}"/>
+              </a:ext>
+            </a:extLst>
+          </p:cNvPr>
+          <p:cNvSpPr>
+            <a:spLocks noGrp="1"/>
+          </p:cNvSpPr>
+          <p:nvPr>
+            <p:ph idx="1"/>
+          </p:nvPr>
+        </p:nvSpPr>
+        <p:spPr/>
+        <p:txBody>
+          <a:bodyPr/>
+          <a:lstStyle/>
+          <a:p>
+            <a:pPr lvl="0" indent="0" marL="0">
+              <a:buNone/>
+            </a:pPr>
+            <a:r>
+              <a:rPr/>
+              <a:t>The courseworks ALL require critical reflection and metacognitive practice. This will be discussed in a number of lectures, but it contributes to effective learning and your integration of the skills and experience of doing this research exercise.</a:t>
+            </a:r>
+          </a:p>
+        </p:txBody>
+      </p:sp>
+    </p:spTree>
+  </p:cSld>
+</p:sld>
+</file>
+
+<file path=ppt/slides/slide14.xml><?xml version="1.0" encoding="utf-8"?>
+<p:sld xmlns:a="http://schemas.openxmlformats.org/drawingml/2006/main" xmlns:r="http://schemas.openxmlformats.org/officeDocument/2006/relationships" xmlns:p="http://schemas.openxmlformats.org/presentationml/2006/main">
+  <p:cSld>
+    <p:spTree>
+      <p:nvGrpSpPr>
+        <p:cNvPr id="1" name=""/>
+        <p:cNvGrpSpPr/>
+        <p:nvPr/>
+      </p:nvGrpSpPr>
+      <p:grpSpPr>
+        <a:xfrm>
+          <a:off x="0" y="0"/>
+          <a:ext cx="0" cy="0"/>
+          <a:chOff x="0" y="0"/>
+          <a:chExt cx="0" cy="0"/>
+        </a:xfrm>
+      </p:grpSpPr>
+      <p:sp>
+        <p:nvSpPr>
+          <p:cNvPr id="2" name="Title 1">
+            <a:extLst>
+              <a:ext uri="{FF2B5EF4-FFF2-40B4-BE49-F238E27FC236}">
+                <a16:creationId xmlns:a16="http://schemas.microsoft.com/office/drawing/2014/main" id="{DD9B8E45-0772-954C-8D4B-6E6808DFEDED}"/>
+              </a:ext>
+            </a:extLst>
+          </p:cNvPr>
+          <p:cNvSpPr>
+            <a:spLocks noGrp="1"/>
+          </p:cNvSpPr>
+          <p:nvPr>
+            <p:ph type="title"/>
+          </p:nvPr>
+        </p:nvSpPr>
+        <p:spPr>
+          <a:xfrm>
+            <a:off x="838200" y="365129"/>
+            <a:ext cx="10002520" cy="1325563"/>
+          </a:xfrm>
+          <a:prstGeom prst="rect">
+            <a:avLst/>
+          </a:prstGeom>
+        </p:spPr>
+        <p:txBody>
+          <a:bodyPr/>
+          <a:lstStyle/>
+          <a:p>
+            <a:pPr lvl="0" indent="0" marL="0">
+              <a:buNone/>
+            </a:pPr>
+            <a:r>
+              <a:rPr/>
+              <a:t>Time management and teamwork</a:t>
+            </a:r>
+          </a:p>
+        </p:txBody>
+      </p:sp>
+      <p:sp>
+        <p:nvSpPr>
+          <p:cNvPr id="3" name="Content Placeholder 2">
+            <a:extLst>
+              <a:ext uri="{FF2B5EF4-FFF2-40B4-BE49-F238E27FC236}">
+                <a16:creationId xmlns:a16="http://schemas.microsoft.com/office/drawing/2014/main" id="{A4EB24F9-04F1-C843-9D71-56C5C024552B}"/>
+              </a:ext>
+            </a:extLst>
+          </p:cNvPr>
+          <p:cNvSpPr>
+            <a:spLocks noGrp="1"/>
+          </p:cNvSpPr>
+          <p:nvPr>
+            <p:ph idx="1"/>
+          </p:nvPr>
+        </p:nvSpPr>
+        <p:spPr/>
+        <p:txBody>
+          <a:bodyPr/>
+          <a:lstStyle/>
+          <a:p>
+            <a:pPr lvl="0" indent="0" marL="0">
+              <a:buNone/>
+            </a:pPr>
+            <a:r>
+              <a:rPr/>
+              <a:t>..will both be required.</a:t>
+            </a:r>
+          </a:p>
+          <a:p>
+            <a:pPr lvl="0" indent="0" marL="0">
+              <a:buNone/>
+            </a:pPr>
+            <a:r>
+              <a:rPr/>
+              <a:t>I ask you to see both as an opportunity to develop these important skills.</a:t>
+            </a:r>
+          </a:p>
+          <a:p>
+            <a:pPr lvl="0" indent="0" marL="0">
+              <a:buNone/>
+            </a:pPr>
+            <a:r>
+              <a:rPr/>
+              <a:t>You will see we have some ideas to make this more relevant to careers and employability</a:t>
+            </a:r>
+          </a:p>
+          <a:p>
+            <a:pPr lvl="0" indent="0" marL="0">
+              <a:buNone/>
+            </a:pPr>
+            <a:r>
+              <a:rPr/>
+              <a:t>It is easier to ‘keep up than to catch up’.</a:t>
+            </a:r>
+          </a:p>
+        </p:txBody>
+      </p:sp>
+    </p:spTree>
+  </p:cSld>
+</p:sld>
+</file>
+
+<file path=ppt/slides/slide15.xml><?xml version="1.0" encoding="utf-8"?>
+<p:sld xmlns:a="http://schemas.openxmlformats.org/drawingml/2006/main" xmlns:r="http://schemas.openxmlformats.org/officeDocument/2006/relationships" xmlns:p="http://schemas.openxmlformats.org/presentationml/2006/main">
+  <p:cSld>
+    <p:spTree>
+      <p:nvGrpSpPr>
+        <p:cNvPr id="1" name=""/>
+        <p:cNvGrpSpPr/>
+        <p:nvPr/>
+      </p:nvGrpSpPr>
+      <p:grpSpPr>
+        <a:xfrm>
+          <a:off x="0" y="0"/>
+          <a:ext cx="0" cy="0"/>
+          <a:chOff x="0" y="0"/>
+          <a:chExt cx="0" cy="0"/>
+        </a:xfrm>
+      </p:grpSpPr>
+      <p:sp>
+        <p:nvSpPr>
+          <p:cNvPr id="2" name="Title 1">
+            <a:extLst>
+              <a:ext uri="{FF2B5EF4-FFF2-40B4-BE49-F238E27FC236}">
+                <a16:creationId xmlns:a16="http://schemas.microsoft.com/office/drawing/2014/main" id="{DD9B8E45-0772-954C-8D4B-6E6808DFEDED}"/>
+              </a:ext>
+            </a:extLst>
+          </p:cNvPr>
+          <p:cNvSpPr>
+            <a:spLocks noGrp="1"/>
+          </p:cNvSpPr>
+          <p:nvPr>
+            <p:ph type="title"/>
+          </p:nvPr>
+        </p:nvSpPr>
+        <p:spPr>
+          <a:xfrm>
+            <a:off x="838200" y="365129"/>
+            <a:ext cx="10002520" cy="1325563"/>
+          </a:xfrm>
+          <a:prstGeom prst="rect">
+            <a:avLst/>
+          </a:prstGeom>
+        </p:spPr>
+        <p:txBody>
+          <a:bodyPr/>
+          <a:lstStyle/>
+          <a:p>
+            <a:pPr lvl="0" indent="0" marL="0">
+              <a:buNone/>
+            </a:pPr>
+            <a:r>
+              <a:rPr/>
+              <a:t>Resources</a:t>
+            </a:r>
+          </a:p>
+        </p:txBody>
+      </p:sp>
+      <p:sp>
+        <p:nvSpPr>
+          <p:cNvPr id="3" name="Content Placeholder 2">
+            <a:extLst>
+              <a:ext uri="{FF2B5EF4-FFF2-40B4-BE49-F238E27FC236}">
+                <a16:creationId xmlns:a16="http://schemas.microsoft.com/office/drawing/2014/main" id="{A4EB24F9-04F1-C843-9D71-56C5C024552B}"/>
+              </a:ext>
+            </a:extLst>
+          </p:cNvPr>
+          <p:cNvSpPr>
+            <a:spLocks noGrp="1"/>
+          </p:cNvSpPr>
+          <p:nvPr>
+            <p:ph idx="1"/>
+          </p:nvPr>
+        </p:nvSpPr>
+        <p:spPr/>
+        <p:txBody>
+          <a:bodyPr/>
+          <a:lstStyle/>
+          <a:p>
+            <a:pPr lvl="0" indent="0" marL="0">
+              <a:buNone/>
+            </a:pPr>
+            <a:r>
+              <a:rPr/>
+              <a:t>We will be releasing a series of valuable resources to help you through every step of the process</a:t>
+            </a:r>
+          </a:p>
+          <a:p>
+            <a:pPr lvl="0" indent="0" marL="0">
+              <a:buNone/>
+            </a:pPr>
+            <a:r>
+              <a:rPr/>
+              <a:t>These will have value for your final year dissertation too.</a:t>
+            </a:r>
+          </a:p>
+          <a:p>
+            <a:pPr lvl="0" indent="0" marL="0">
+              <a:buNone/>
+            </a:pPr>
+            <a:r>
+              <a:rPr/>
+              <a:t>Contribution to and comment on these is welcome and hoped for!</a:t>
+            </a:r>
+          </a:p>
+          <a:p>
+            <a:pPr lvl="0" indent="0" marL="0">
+              <a:buNone/>
+            </a:pPr>
+            <a:r>
+              <a:rPr/>
+              <a:t>Open Educational Resources will be used extensively, and most core readings are available online via the library.</a:t>
+            </a:r>
+          </a:p>
+        </p:txBody>
+      </p:sp>
+    </p:spTree>
+  </p:cSld>
+</p:sld>
+</file>
+
+<file path=ppt/slides/slide16.xml><?xml version="1.0" encoding="utf-8"?>
+<p:sld xmlns:a="http://schemas.openxmlformats.org/drawingml/2006/main" xmlns:r="http://schemas.openxmlformats.org/officeDocument/2006/relationships" xmlns:p="http://schemas.openxmlformats.org/presentationml/2006/main">
+  <p:cSld>
+    <p:spTree>
+      <p:nvGrpSpPr>
+        <p:cNvPr id="1" name=""/>
+        <p:cNvGrpSpPr/>
+        <p:nvPr/>
+      </p:nvGrpSpPr>
+      <p:grpSpPr>
+        <a:xfrm>
+          <a:off x="0" y="0"/>
+          <a:ext cx="0" cy="0"/>
+          <a:chOff x="0" y="0"/>
+          <a:chExt cx="0" cy="0"/>
+        </a:xfrm>
+      </p:grpSpPr>
+      <p:sp>
+        <p:nvSpPr>
+          <p:cNvPr id="2" name="Title 1">
+            <a:extLst>
+              <a:ext uri="{FF2B5EF4-FFF2-40B4-BE49-F238E27FC236}">
+                <a16:creationId xmlns:a16="http://schemas.microsoft.com/office/drawing/2014/main" id="{DD9B8E45-0772-954C-8D4B-6E6808DFEDED}"/>
+              </a:ext>
+            </a:extLst>
+          </p:cNvPr>
+          <p:cNvSpPr>
+            <a:spLocks noGrp="1"/>
+          </p:cNvSpPr>
+          <p:nvPr>
+            <p:ph type="title"/>
+          </p:nvPr>
+        </p:nvSpPr>
+        <p:spPr>
+          <a:xfrm>
+            <a:off x="838200" y="365129"/>
+            <a:ext cx="10002520" cy="1325563"/>
+          </a:xfrm>
+          <a:prstGeom prst="rect">
+            <a:avLst/>
+          </a:prstGeom>
+        </p:spPr>
+        <p:txBody>
+          <a:bodyPr/>
+          <a:lstStyle/>
+          <a:p>
+            <a:pPr lvl="0" indent="0" marL="0">
+              <a:buNone/>
+            </a:pPr>
+            <a:r>
+              <a:rPr/>
+              <a:t>Prelude 1</a:t>
+            </a:r>
+          </a:p>
+        </p:txBody>
+      </p:sp>
+      <p:sp>
+        <p:nvSpPr>
+          <p:cNvPr id="3" name="Content Placeholder 2">
+            <a:extLst>
+              <a:ext uri="{FF2B5EF4-FFF2-40B4-BE49-F238E27FC236}">
+                <a16:creationId xmlns:a16="http://schemas.microsoft.com/office/drawing/2014/main" id="{A4EB24F9-04F1-C843-9D71-56C5C024552B}"/>
+              </a:ext>
+            </a:extLst>
+          </p:cNvPr>
+          <p:cNvSpPr>
+            <a:spLocks noGrp="1"/>
+          </p:cNvSpPr>
+          <p:nvPr>
+            <p:ph idx="1"/>
+          </p:nvPr>
+        </p:nvSpPr>
+        <p:spPr/>
+        <p:txBody>
+          <a:bodyPr/>
+          <a:lstStyle/>
+          <a:p>
+            <a:pPr lvl="0" indent="0" marL="0">
+              <a:buNone/>
+            </a:pPr>
+            <a:r>
+              <a:rPr/>
+              <a:t>We are starting off very easy. A short questionnaire to allow us to get to know you a little better, which we will use to develop the first lecture, and the course more generally.</a:t>
+            </a:r>
+          </a:p>
+        </p:txBody>
+      </p:sp>
+    </p:spTree>
+  </p:cSld>
+</p:sld>
+</file>
+
+<file path=ppt/slides/slide17.xml><?xml version="1.0" encoding="utf-8"?>
+<p:sld xmlns:a="http://schemas.openxmlformats.org/drawingml/2006/main" xmlns:r="http://schemas.openxmlformats.org/officeDocument/2006/relationships" xmlns:p="http://schemas.openxmlformats.org/presentationml/2006/main">
+  <p:cSld>
+    <p:spTree>
+      <p:nvGrpSpPr>
+        <p:cNvPr id="1" name=""/>
+        <p:cNvGrpSpPr/>
+        <p:nvPr/>
+      </p:nvGrpSpPr>
+      <p:grpSpPr>
+        <a:xfrm>
+          <a:off x="0" y="0"/>
+          <a:ext cx="0" cy="0"/>
+          <a:chOff x="0" y="0"/>
+          <a:chExt cx="0" cy="0"/>
+        </a:xfrm>
+      </p:grpSpPr>
+      <p:sp>
+        <p:nvSpPr>
+          <p:cNvPr id="2" name="Title 1">
+            <a:extLst>
+              <a:ext uri="{FF2B5EF4-FFF2-40B4-BE49-F238E27FC236}">
+                <a16:creationId xmlns:a16="http://schemas.microsoft.com/office/drawing/2014/main" id="{DD9B8E45-0772-954C-8D4B-6E6808DFEDED}"/>
+              </a:ext>
+            </a:extLst>
+          </p:cNvPr>
+          <p:cNvSpPr>
+            <a:spLocks noGrp="1"/>
+          </p:cNvSpPr>
+          <p:nvPr>
+            <p:ph type="title"/>
+          </p:nvPr>
+        </p:nvSpPr>
+        <p:spPr>
+          <a:xfrm>
+            <a:off x="838200" y="365129"/>
+            <a:ext cx="10002520" cy="1325563"/>
+          </a:xfrm>
+          <a:prstGeom prst="rect">
+            <a:avLst/>
+          </a:prstGeom>
+        </p:spPr>
+        <p:txBody>
+          <a:bodyPr/>
+          <a:lstStyle/>
+          <a:p>
+            <a:pPr lvl="0" indent="0" marL="0">
+              <a:buNone/>
+            </a:pPr>
+            <a:r>
+              <a:rPr/>
               <a:t>Thank you for your time</a:t>
             </a:r>
           </a:p>
+        </p:txBody>
+      </p:sp>
+      <p:sp>
+        <p:nvSpPr>
+          <p:cNvPr id="3" name="Content Placeholder 2">
+            <a:extLst>
+              <a:ext uri="{FF2B5EF4-FFF2-40B4-BE49-F238E27FC236}">
+                <a16:creationId xmlns:a16="http://schemas.microsoft.com/office/drawing/2014/main" id="{A4EB24F9-04F1-C843-9D71-56C5C024552B}"/>
+              </a:ext>
+            </a:extLst>
+          </p:cNvPr>
+          <p:cNvSpPr>
+            <a:spLocks noGrp="1"/>
+          </p:cNvSpPr>
+          <p:nvPr>
+            <p:ph idx="1"/>
+          </p:nvPr>
+        </p:nvSpPr>
+        <p:spPr/>
+        <p:txBody>
+          <a:bodyPr/>
+          <a:lstStyle/>
           <a:p>
             <a:pPr lvl="0" indent="0" marL="0">
               <a:buNone/>
@@ -5082,80 +5877,6 @@
             <a:r>
               <a:rPr/>
               <a:t>The Research Methods Team</a:t>
-            </a:r>
-          </a:p>
-          <a:p>
-            <a:pPr lvl="0" indent="0" marL="0">
-              <a:spcBef>
-                <a:spcPts val="3000"/>
-              </a:spcBef>
-              <a:buNone/>
-            </a:pPr>
-            <a:r>
-              <a:rPr b="1"/>
-              <a:t>References</a:t>
-            </a:r>
-          </a:p>
-          <a:p>
-            <a:pPr lvl="0" indent="0" marL="0">
-              <a:buNone/>
-            </a:pPr>
-            <a:r>
-              <a:rPr/>
-              <a:t>Cohen, J. (1992). A power primer. </a:t>
-            </a:r>
-            <a:r>
-              <a:rPr i="1"/>
-              <a:t>Psychological Bulletin</a:t>
-            </a:r>
-            <a:r>
-              <a:rPr/>
-              <a:t>, </a:t>
-            </a:r>
-            <a:r>
-              <a:rPr i="1"/>
-              <a:t>112</a:t>
-            </a:r>
-            <a:r>
-              <a:rPr/>
-              <a:t>, 155–155. </a:t>
-            </a:r>
-            <a:r>
-              <a:rPr>
-                <a:hlinkClick r:id="rId2"/>
-              </a:rPr>
-              <a:t>https://doi.org/10.1037/0033-2909.112.1.155</a:t>
-            </a:r>
-          </a:p>
-          <a:p>
-            <a:pPr lvl="0" indent="0" marL="0">
-              <a:buNone/>
-            </a:pPr>
-            <a:r>
-              <a:rPr/>
-              <a:t>Wright, G. R. T., Berry, C. J., &amp; Bird, G. (2012). “You can’t kid a kidder”: association between production and detection of deception in an interactive deception task. u1 - wright2012. </a:t>
-            </a:r>
-            <a:r>
-              <a:rPr i="1"/>
-              <a:t>Frontiers in Human Neuroscience</a:t>
-            </a:r>
-            <a:r>
-              <a:rPr/>
-              <a:t>, </a:t>
-            </a:r>
-            <a:r>
-              <a:rPr i="1"/>
-              <a:t>6</a:t>
-            </a:r>
-            <a:r>
-              <a:rPr/>
-              <a:t>, 87. </a:t>
-            </a:r>
-            <a:r>
-              <a:rPr>
-                <a:hlinkClick r:id="rId3"/>
-              </a:rPr>
-              <a:t>https://doi.org/10.3389/fnhum.2012.00087</a:t>
             </a:r>
           </a:p>
         </p:txBody>
@@ -5187,7 +5908,7 @@
           <p:cNvPr id="2" name="Title 1">
             <a:extLst>
               <a:ext uri="{FF2B5EF4-FFF2-40B4-BE49-F238E27FC236}">
-                <a16:creationId xmlns:a16="http://schemas.microsoft.com/office/drawing/2014/main" id="{DD9B8E45-0772-954C-8D4B-6E6808DFEDED}"/>
+                <a16:creationId xmlns:a16="http://schemas.microsoft.com/office/drawing/2014/main" id="{FF6A6CB2-D1B6-B94A-84C1-83C65423C650}"/>
               </a:ext>
             </a:extLst>
           </p:cNvPr>
@@ -5200,8 +5921,8 @@
         </p:nvSpPr>
         <p:spPr>
           <a:xfrm>
-            <a:off x="838200" y="365129"/>
-            <a:ext cx="10002520" cy="1325563"/>
+            <a:off x="831851" y="1709742"/>
+            <a:ext cx="10515600" cy="2852737"/>
           </a:xfrm>
           <a:prstGeom prst="rect">
             <a:avLst/>
@@ -5216,7 +5937,7 @@
             </a:pPr>
             <a:r>
               <a:rPr/>
-              <a:t>Show Attendance QR Code</a:t>
+              <a:t>Induction Overview</a:t>
             </a:r>
           </a:p>
         </p:txBody>
@@ -5277,71 +5998,7 @@
             </a:pPr>
             <a:r>
               <a:rPr/>
-              <a:t>Heading 1 - Section Head</a:t>
-            </a:r>
-          </a:p>
-        </p:txBody>
-      </p:sp>
-      <p:sp>
-        <p:nvSpPr>
-          <p:cNvPr id="3" name="Content Placeholder 2">
-            <a:extLst>
-              <a:ext uri="{FF2B5EF4-FFF2-40B4-BE49-F238E27FC236}">
-                <a16:creationId xmlns:a16="http://schemas.microsoft.com/office/drawing/2014/main" id="{A4EB24F9-04F1-C843-9D71-56C5C024552B}"/>
-              </a:ext>
-            </a:extLst>
-          </p:cNvPr>
-          <p:cNvSpPr>
-            <a:spLocks noGrp="1"/>
-          </p:cNvSpPr>
-          <p:nvPr>
-            <p:ph idx="1"/>
-          </p:nvPr>
-        </p:nvSpPr>
-        <p:spPr/>
-        <p:txBody>
-          <a:bodyPr/>
-          <a:lstStyle/>
-          <a:p>
-            <a:pPr lvl="0" indent="0" marL="0">
-              <a:buNone/>
-            </a:pPr>
-            <a:r>
-              <a:rPr/>
-              <a:t>This is a subtitle to the section header</a:t>
-            </a:r>
-          </a:p>
-          <a:p>
-            <a:pPr lvl="0" indent="0" marL="0">
-              <a:spcBef>
-                <a:spcPts val="3000"/>
-              </a:spcBef>
-              <a:buNone/>
-            </a:pPr>
-            <a:r>
-              <a:rPr b="1"/>
-              <a:t>Heading 2 - new slide title</a:t>
-            </a:r>
-          </a:p>
-          <a:p>
-            <a:pPr lvl="0" indent="0" marL="0">
-              <a:buNone/>
-            </a:pPr>
-            <a:r>
-              <a:rPr/>
-              <a:t>Heading 2 copy</a:t>
-            </a:r>
-          </a:p>
-          <a:p>
-            <a:pPr lvl="0" indent="0" marL="0">
-              <a:spcBef>
-                <a:spcPts val="3000"/>
-              </a:spcBef>
-              <a:buNone/>
-            </a:pPr>
-            <a:r>
-              <a:rPr b="1"/>
-              <a:t>Heading 3 - italic emphasis</a:t>
+              <a:t>Welcome back and welcome to Research Methods!</a:t>
             </a:r>
           </a:p>
         </p:txBody>
@@ -5402,7 +6059,7 @@
             </a:pPr>
             <a:r>
               <a:rPr/>
-              <a:t>2 Column</a:t>
+              <a:t>This year you become Scientists!</a:t>
             </a:r>
           </a:p>
         </p:txBody>
@@ -5429,14 +6086,76 @@
           <a:lstStyle/>
           <a:p>
             <a:pPr lvl="0" indent="0" marL="0">
-              <a:spcBef>
-                <a:spcPts val="3000"/>
-              </a:spcBef>
               <a:buNone/>
             </a:pPr>
             <a:r>
-              <a:rPr b="1"/>
-              <a:t>2 column here</a:t>
+              <a:rPr/>
+              <a:t>This year, in Research Methods, you will perform your first piece of REAL psychological research</a:t>
+            </a:r>
+          </a:p>
+          <a:p>
+            <a:pPr lvl="0" indent="0" marL="0">
+              <a:buNone/>
+            </a:pPr>
+            <a:r>
+              <a:rPr/>
+              <a:t>In groups, you will:</a:t>
+            </a:r>
+          </a:p>
+          <a:p>
+            <a:pPr lvl="0"/>
+            <a:r>
+              <a:rPr/>
+              <a:t>Identify an area of psychological research</a:t>
+            </a:r>
+          </a:p>
+          <a:p>
+            <a:pPr lvl="0"/>
+            <a:r>
+              <a:rPr/>
+              <a:t>Review and critique the literature in this area</a:t>
+            </a:r>
+          </a:p>
+          <a:p>
+            <a:pPr lvl="0"/>
+            <a:r>
+              <a:rPr/>
+              <a:t>Develop a testable hypothesis</a:t>
+            </a:r>
+          </a:p>
+          <a:p>
+            <a:pPr lvl="0"/>
+            <a:r>
+              <a:rPr/>
+              <a:t>Design a 2x2 ANOVA experiment unique to you (within your group study)</a:t>
+            </a:r>
+          </a:p>
+          <a:p>
+            <a:pPr lvl="0"/>
+            <a:r>
+              <a:rPr/>
+              <a:t>Obtain Ethical Approval for your experiment</a:t>
+            </a:r>
+          </a:p>
+          <a:p>
+            <a:pPr lvl="0"/>
+            <a:r>
+              <a:rPr/>
+              <a:t>Collect REAL data</a:t>
+            </a:r>
+          </a:p>
+          <a:p>
+            <a:pPr lvl="0"/>
+            <a:r>
+              <a:rPr/>
+              <a:t>Analyse these data</a:t>
+            </a:r>
+          </a:p>
+          <a:p>
+            <a:pPr lvl="0"/>
+            <a:r>
+              <a:rPr/>
+              <a:t>Write up the results in APA format</a:t>
             </a:r>
           </a:p>
         </p:txBody>
@@ -5465,18 +6184,57 @@
       </p:grpSpPr>
       <p:sp>
         <p:nvSpPr>
+          <p:cNvPr id="2" name="Title 1">
+            <a:extLst>
+              <a:ext uri="{FF2B5EF4-FFF2-40B4-BE49-F238E27FC236}">
+                <a16:creationId xmlns:a16="http://schemas.microsoft.com/office/drawing/2014/main" id="{DD9B8E45-0772-954C-8D4B-6E6808DFEDED}"/>
+              </a:ext>
+            </a:extLst>
+          </p:cNvPr>
+          <p:cNvSpPr>
+            <a:spLocks noGrp="1"/>
+          </p:cNvSpPr>
+          <p:nvPr>
+            <p:ph type="title"/>
+          </p:nvPr>
+        </p:nvSpPr>
+        <p:spPr>
+          <a:xfrm>
+            <a:off x="838200" y="365129"/>
+            <a:ext cx="10002520" cy="1325563"/>
+          </a:xfrm>
+          <a:prstGeom prst="rect">
+            <a:avLst/>
+          </a:prstGeom>
+        </p:spPr>
+        <p:txBody>
+          <a:bodyPr/>
+          <a:lstStyle/>
+          <a:p>
+            <a:pPr lvl="0" indent="0" marL="0">
+              <a:buNone/>
+            </a:pPr>
+            <a:r>
+              <a:rPr/>
+              <a:t>A full overview will be given in the first lecture!</a:t>
+            </a:r>
+          </a:p>
+        </p:txBody>
+      </p:sp>
+      <p:sp>
+        <p:nvSpPr>
           <p:cNvPr id="3" name="Content Placeholder 2">
             <a:extLst>
               <a:ext uri="{FF2B5EF4-FFF2-40B4-BE49-F238E27FC236}">
-                <a16:creationId xmlns:a16="http://schemas.microsoft.com/office/drawing/2014/main" id="{63FA7BF1-44B1-744C-AB68-4BB0A6A5977E}"/>
-              </a:ext>
-            </a:extLst>
-          </p:cNvPr>
-          <p:cNvSpPr>
-            <a:spLocks noGrp="1"/>
-          </p:cNvSpPr>
-          <p:nvPr>
-            <p:ph idx="1" sz="half"/>
+                <a16:creationId xmlns:a16="http://schemas.microsoft.com/office/drawing/2014/main" id="{A4EB24F9-04F1-C843-9D71-56C5C024552B}"/>
+              </a:ext>
+            </a:extLst>
+          </p:cNvPr>
+          <p:cNvSpPr>
+            <a:spLocks noGrp="1"/>
+          </p:cNvSpPr>
+          <p:nvPr>
+            <p:ph idx="1"/>
           </p:nvPr>
         </p:nvSpPr>
         <p:spPr/>
@@ -5489,65 +6247,7 @@
             </a:pPr>
             <a:r>
               <a:rPr/>
-              <a:t>Left Column</a:t>
-            </a:r>
-          </a:p>
-          <a:p>
-            <a:pPr lvl="0" indent="0" marL="0">
-              <a:buNone/>
-            </a:pPr>
-            <a:r>
-              <a:rPr/>
-              <a:t>again</a:t>
-            </a:r>
-          </a:p>
-          <a:p>
-            <a:pPr lvl="0" indent="0" marL="0">
-              <a:buNone/>
-            </a:pPr>
-            <a:r>
-              <a:rPr/>
-              <a:t>aesst</a:t>
-            </a:r>
-          </a:p>
-        </p:txBody>
-      </p:sp>
-      <p:sp>
-        <p:nvSpPr>
-          <p:cNvPr id="4" name="Content Placeholder 3">
-            <a:extLst>
-              <a:ext uri="{FF2B5EF4-FFF2-40B4-BE49-F238E27FC236}">
-                <a16:creationId xmlns:a16="http://schemas.microsoft.com/office/drawing/2014/main" id="{3B974A49-6A1E-2F48-B419-02B0A17B9692}"/>
-              </a:ext>
-            </a:extLst>
-          </p:cNvPr>
-          <p:cNvSpPr>
-            <a:spLocks noGrp="1"/>
-          </p:cNvSpPr>
-          <p:nvPr>
-            <p:ph idx="2" sz="half"/>
-          </p:nvPr>
-        </p:nvSpPr>
-        <p:spPr/>
-        <p:txBody>
-          <a:bodyPr/>
-          <a:lstStyle/>
-          <a:p>
-            <a:pPr lvl="0" indent="0" marL="0">
-              <a:buNone/>
-            </a:pPr>
-            <a:r>
-              <a:rPr/>
-              <a:t>Right columnn</a:t>
-            </a:r>
-          </a:p>
-          <a:p>
-            <a:pPr lvl="0" indent="0" marL="0">
-              <a:buNone/>
-            </a:pPr>
-            <a:r>
-              <a:rPr/>
-              <a:t>ahdn here is more</a:t>
+              <a:t>Do not worry! It’s going to be a great adventure!</a:t>
             </a:r>
           </a:p>
         </p:txBody>
@@ -5576,6 +6276,45 @@
       </p:grpSpPr>
       <p:sp>
         <p:nvSpPr>
+          <p:cNvPr id="2" name="Title 1">
+            <a:extLst>
+              <a:ext uri="{FF2B5EF4-FFF2-40B4-BE49-F238E27FC236}">
+                <a16:creationId xmlns:a16="http://schemas.microsoft.com/office/drawing/2014/main" id="{DD9B8E45-0772-954C-8D4B-6E6808DFEDED}"/>
+              </a:ext>
+            </a:extLst>
+          </p:cNvPr>
+          <p:cNvSpPr>
+            <a:spLocks noGrp="1"/>
+          </p:cNvSpPr>
+          <p:nvPr>
+            <p:ph type="title"/>
+          </p:nvPr>
+        </p:nvSpPr>
+        <p:spPr>
+          <a:xfrm>
+            <a:off x="838200" y="365129"/>
+            <a:ext cx="10002520" cy="1325563"/>
+          </a:xfrm>
+          <a:prstGeom prst="rect">
+            <a:avLst/>
+          </a:prstGeom>
+        </p:spPr>
+        <p:txBody>
+          <a:bodyPr/>
+          <a:lstStyle/>
+          <a:p>
+            <a:pPr lvl="0" indent="0" marL="0">
+              <a:buNone/>
+            </a:pPr>
+            <a:r>
+              <a:rPr/>
+              <a:t>A ‘warm up’ for your Y3 Dissertation</a:t>
+            </a:r>
+          </a:p>
+        </p:txBody>
+      </p:sp>
+      <p:sp>
+        <p:nvSpPr>
           <p:cNvPr id="3" name="Content Placeholder 2">
             <a:extLst>
               <a:ext uri="{FF2B5EF4-FFF2-40B4-BE49-F238E27FC236}">
@@ -5595,171 +6334,52 @@
           <a:bodyPr/>
           <a:lstStyle/>
           <a:p>
-            <a:pPr lvl="0" indent="0" marL="0">
-              <a:spcBef>
-                <a:spcPts val="3000"/>
-              </a:spcBef>
-              <a:buNone/>
-            </a:pPr>
-            <a:r>
-              <a:rPr b="1"/>
-              <a:t>Spans for text accentuation - available in source mode</a:t>
-            </a:r>
-          </a:p>
-          <a:p>
-            <a:pPr lvl="0" indent="0" marL="0">
-              <a:buNone/>
-            </a:pPr>
-            <a:r>
-              <a:rPr/>
-              <a:t>.shout accent3(red) 1.5em and Bold</a:t>
-            </a:r>
-          </a:p>
-          <a:p>
-            <a:pPr lvl="0" indent="0" marL="0">
-              <a:buNone/>
-            </a:pPr>
-            <a:r>
-              <a:rPr/>
-              <a:t>.alert accent3(red) no change to font size</a:t>
-            </a:r>
-          </a:p>
-          <a:p>
-            <a:pPr lvl="0" indent="0" marL="0">
-              <a:buNone/>
-            </a:pPr>
-            <a:r>
-              <a:rPr/>
-              <a:t>.fg .bg</a:t>
-            </a:r>
-          </a:p>
-          <a:p>
-            <a:pPr lvl="0" indent="0" marL="0">
-              <a:buNone/>
-            </a:pPr>
-            <a:r>
-              <a:rPr/>
-              <a:t>.button accent1 whitetext button for link</a:t>
-            </a:r>
-          </a:p>
-          <a:p>
-            <a:pPr lvl="0" indent="0" marL="0">
-              <a:buNone/>
-            </a:pPr>
-            <a:r>
-              <a:rPr/>
-              <a:t>.button-success</a:t>
-            </a:r>
-          </a:p>
-          <a:p>
-            <a:pPr lvl="0" indent="0" marL="0">
-              <a:buNone/>
-            </a:pPr>
-            <a:r>
-              <a:rPr/>
-              <a:t>.takeaway</a:t>
-            </a:r>
-          </a:p>
-          <a:p>
-            <a:pPr lvl="0" indent="0" marL="0">
-              <a:buNone/>
-            </a:pPr>
-            <a:r>
-              <a:rPr/>
-              <a:t>.highlight</a:t>
-            </a:r>
-          </a:p>
-          <a:p>
-            <a:pPr lvl="0" indent="0" marL="0">
-              <a:spcBef>
-                <a:spcPts val="3000"/>
-              </a:spcBef>
-              <a:buNone/>
-            </a:pPr>
-            <a:r>
-              <a:rPr b="1"/>
-              <a:t>Citations</a:t>
-            </a:r>
-          </a:p>
-          <a:p>
-            <a:pPr lvl="0" indent="0" marL="0">
-              <a:buNone/>
-            </a:pPr>
-            <a:r>
-              <a:rPr/>
-              <a:t>Wright et al. (2012)</a:t>
-            </a:r>
-          </a:p>
-          <a:p>
-            <a:pPr lvl="0" indent="0" marL="0">
-              <a:buNone/>
-            </a:pPr>
-            <a:r>
-              <a:rPr/>
-              <a:t>Cohen (1992) In text citation </a:t>
-            </a:r>
-            <a:r>
-              <a:rPr>
-                <a:latin typeface="Courier"/>
-              </a:rPr>
-              <a:t>@Cohen1992</a:t>
-            </a:r>
-          </a:p>
-          <a:p>
-            <a:pPr lvl="0" indent="0" marL="0">
-              <a:buNone/>
-            </a:pPr>
-            <a:r>
-              <a:rPr/>
-              <a:t>(Cohen, 1992) not in-text citation `(Cohen, 1992)</a:t>
-            </a:r>
-          </a:p>
-          <a:p>
-            <a:pPr lvl="0" indent="0" marL="0">
-              <a:buNone/>
-            </a:pPr>
-            <a:r>
-              <a:rPr/>
-              <a:t>just type `@` and a search box comes up for your Zotero library or a .bib file associated with the project</a:t>
-            </a:r>
-          </a:p>
-          <a:p>
-            <a:pPr lvl="0" indent="0" marL="0">
-              <a:spcBef>
-                <a:spcPts val="3000"/>
-              </a:spcBef>
-              <a:buNone/>
-            </a:pPr>
-            <a:r>
-              <a:rPr b="1"/>
-              <a:t>Image|content 2 column</a:t>
-            </a:r>
-          </a:p>
-          <a:p>
-            <a:pPr lvl="0" indent="0" marL="0">
-              <a:buNone/>
-            </a:pPr>
-            <a:r>
-              <a:rPr/>
-              <a:t>Slide with image and commentary in two columns and some explanatory text above</a:t>
-            </a:r>
-          </a:p>
-          <a:p>
-            <a:pPr lvl="0" indent="0" marL="0">
-              <a:buNone/>
-            </a:pPr>
-            <a:r>
-              <a:rPr/>
-              <a:t>text text text text text text text text text text text text</a:t>
-            </a:r>
-          </a:p>
-          <a:p>
-            <a:pPr lvl="0" indent="0" marL="0">
-              <a:buNone/>
-            </a:pPr>
-            <a:r>
-              <a:rPr/>
-              <a:t>text text text text text text text text text text text text</a:t>
+            <a:pPr lvl="0"/>
+            <a:r>
+              <a:rPr/>
+              <a:t>The same 20-week timeline</a:t>
+            </a:r>
+          </a:p>
+          <a:p>
+            <a:pPr lvl="0"/>
+            <a:r>
+              <a:rPr/>
+              <a:t>The same skills and techniques you will need</a:t>
+            </a:r>
+          </a:p>
+          <a:p>
+            <a:pPr lvl="0"/>
+            <a:r>
+              <a:rPr/>
+              <a:t>Careful step-by-step guidance and support in the lab setting</a:t>
+            </a:r>
+          </a:p>
+          <a:p>
+            <a:pPr lvl="0"/>
+            <a:r>
+              <a:rPr/>
+              <a:t>Scaled-down experiments and write-ups</a:t>
+            </a:r>
+          </a:p>
+          <a:p>
+            <a:pPr lvl="0"/>
+            <a:r>
+              <a:rPr/>
+              <a:t>The security of working in a group</a:t>
+            </a:r>
+          </a:p>
+          <a:p>
+            <a:pPr lvl="0"/>
+            <a:r>
+              <a:rPr/>
+              <a:t>Tips and advice from world-class researchers</a:t>
+            </a:r>
+          </a:p>
+          <a:p>
+            <a:pPr lvl="0"/>
+            <a:r>
+              <a:rPr/>
+              <a:t>Opportunity to think carefully about your final year Dissertation, and how to crush it!!</a:t>
             </a:r>
           </a:p>
         </p:txBody>
@@ -5786,50 +6406,59 @@
           <a:chExt cx="0" cy="0"/>
         </a:xfrm>
       </p:grpSpPr>
-      <p:pic>
-        <p:nvPicPr>
-          <p:cNvPr descr="images/TestImage.png" id="0" name="Picture 1"/>
-          <p:cNvPicPr>
-            <a:picLocks noGrp="1" noChangeAspect="1"/>
-          </p:cNvPicPr>
-          <p:nvPr/>
-        </p:nvPicPr>
-        <p:blipFill>
-          <a:blip r:embed="rId2"/>
-          <a:stretch>
-            <a:fillRect/>
-          </a:stretch>
-        </p:blipFill>
-        <p:spPr bwMode="auto">
+      <p:sp>
+        <p:nvSpPr>
+          <p:cNvPr id="2" name="Title 1">
+            <a:extLst>
+              <a:ext uri="{FF2B5EF4-FFF2-40B4-BE49-F238E27FC236}">
+                <a16:creationId xmlns:a16="http://schemas.microsoft.com/office/drawing/2014/main" id="{DD9B8E45-0772-954C-8D4B-6E6808DFEDED}"/>
+              </a:ext>
+            </a:extLst>
+          </p:cNvPr>
+          <p:cNvSpPr>
+            <a:spLocks noGrp="1"/>
+          </p:cNvSpPr>
+          <p:nvPr>
+            <p:ph type="title"/>
+          </p:nvPr>
+        </p:nvSpPr>
+        <p:spPr>
           <a:xfrm>
-            <a:off x="1257300" y="1816100"/>
-            <a:ext cx="4343400" cy="4343400"/>
+            <a:off x="838200" y="365129"/>
+            <a:ext cx="10002520" cy="1325563"/>
           </a:xfrm>
           <a:prstGeom prst="rect">
             <a:avLst/>
           </a:prstGeom>
-          <a:noFill/>
-          <a:ln w="9525">
-            <a:noFill/>
-            <a:headEnd/>
-            <a:tailEnd/>
-          </a:ln>
         </p:spPr>
-      </p:pic>
-      <p:sp>
-        <p:nvSpPr>
-          <p:cNvPr id="4" name="Content Placeholder 3">
-            <a:extLst>
-              <a:ext uri="{FF2B5EF4-FFF2-40B4-BE49-F238E27FC236}">
-                <a16:creationId xmlns:a16="http://schemas.microsoft.com/office/drawing/2014/main" id="{3B974A49-6A1E-2F48-B419-02B0A17B9692}"/>
-              </a:ext>
-            </a:extLst>
-          </p:cNvPr>
-          <p:cNvSpPr>
-            <a:spLocks noGrp="1"/>
-          </p:cNvSpPr>
-          <p:nvPr>
-            <p:ph idx="2" sz="half"/>
+        <p:txBody>
+          <a:bodyPr/>
+          <a:lstStyle/>
+          <a:p>
+            <a:pPr lvl="0" indent="0" marL="0">
+              <a:buNone/>
+            </a:pPr>
+            <a:r>
+              <a:rPr/>
+              <a:t>Support and guidance</a:t>
+            </a:r>
+          </a:p>
+        </p:txBody>
+      </p:sp>
+      <p:sp>
+        <p:nvSpPr>
+          <p:cNvPr id="3" name="Content Placeholder 2">
+            <a:extLst>
+              <a:ext uri="{FF2B5EF4-FFF2-40B4-BE49-F238E27FC236}">
+                <a16:creationId xmlns:a16="http://schemas.microsoft.com/office/drawing/2014/main" id="{A4EB24F9-04F1-C843-9D71-56C5C024552B}"/>
+              </a:ext>
+            </a:extLst>
+          </p:cNvPr>
+          <p:cNvSpPr>
+            <a:spLocks noGrp="1"/>
+          </p:cNvSpPr>
+          <p:nvPr>
+            <p:ph idx="1"/>
           </p:nvPr>
         </p:nvSpPr>
         <p:spPr/>
@@ -5837,33 +6466,40 @@
           <a:bodyPr/>
           <a:lstStyle/>
           <a:p>
+            <a:pPr lvl="0"/>
+            <a:r>
+              <a:rPr/>
+              <a:t>Gordon Wright (Module Coordinator and floating Enthusiast in Chief)</a:t>
+            </a:r>
+          </a:p>
+          <a:p>
+            <a:pPr lvl="0"/>
+            <a:r>
+              <a:rPr/>
+              <a:t>7 gobsmackingly amazing Lab Tutors</a:t>
+            </a:r>
+          </a:p>
+          <a:p>
+            <a:pPr lvl="0"/>
+            <a:r>
+              <a:rPr/>
+              <a:t>Your Personal Tutor and your PT group</a:t>
+            </a:r>
+          </a:p>
+          <a:p>
+            <a:pPr lvl="0"/>
+            <a:r>
+              <a:rPr/>
+              <a:t>AND EACH OTHER!!</a:t>
+            </a:r>
+          </a:p>
+          <a:p>
             <a:pPr lvl="0" indent="0" marL="0">
               <a:buNone/>
             </a:pPr>
             <a:r>
               <a:rPr/>
-              <a:t>Here is some text</a:t>
-            </a:r>
-          </a:p>
-          <a:p>
-            <a:pPr lvl="0"/>
-            <a:r>
-              <a:rPr/>
-              <a:t>Bullet 1</a:t>
-            </a:r>
-          </a:p>
-          <a:p>
-            <a:pPr lvl="0"/>
-            <a:r>
-              <a:rPr/>
-              <a:t>Bullet 2</a:t>
-            </a:r>
-          </a:p>
-          <a:p>
-            <a:pPr lvl="0"/>
-            <a:r>
-              <a:rPr/>
-              <a:t>Bullet 3</a:t>
+              <a:t>This is a team-sport</a:t>
             </a:r>
           </a:p>
         </p:txBody>
@@ -5892,366 +6528,88 @@
       </p:grpSpPr>
       <p:sp>
         <p:nvSpPr>
-          <p:cNvPr id="4" name="Text Placeholder 3">
-            <a:extLst>
-              <a:ext uri="{FF2B5EF4-FFF2-40B4-BE49-F238E27FC236}">
-                <a16:creationId xmlns:a16="http://schemas.microsoft.com/office/drawing/2014/main" id="{898BA411-2A54-A94A-B3FC-826281DBEADF}"/>
-              </a:ext>
-            </a:extLst>
-          </p:cNvPr>
-          <p:cNvSpPr>
-            <a:spLocks noGrp="1"/>
-          </p:cNvSpPr>
-          <p:nvPr>
-            <p:ph idx="2" sz="half" type="body"/>
-          </p:nvPr>
-        </p:nvSpPr>
-        <p:spPr/>
-        <p:txBody>
-          <a:bodyPr/>
-          <a:lstStyle/>
-          <a:p>
-            <a:pPr lvl="0" indent="0" marL="0">
-              <a:spcBef>
-                <a:spcPts val="3000"/>
-              </a:spcBef>
-              <a:buNone/>
-            </a:pPr>
-            <a:r>
-              <a:rPr b="1"/>
-              <a:t>Callouts</a:t>
-            </a:r>
-          </a:p>
-          <a:p>
-            <a:pPr lvl="0" indent="0" marL="0">
-              <a:spcBef>
-                <a:spcPts val="3000"/>
-              </a:spcBef>
-              <a:buNone/>
-            </a:pPr>
-            <a:r>
-              <a:rPr b="1"/>
-              <a:t>Note Callouts</a:t>
-            </a:r>
-          </a:p>
-          <a:p>
-            <a:pPr lvl="0" indent="0" marL="1270000">
-              <a:buNone/>
-            </a:pPr>
-            <a:r>
-              <a:rPr sz="2000" b="1"/>
-              <a:t>Note default</a:t>
-            </a:r>
-          </a:p>
-          <a:p>
-            <a:pPr lvl="0" indent="0" marL="1270000">
-              <a:buNone/>
-            </a:pPr>
-            <a:r>
-              <a:rPr sz="2000"/>
-              <a:t>content</a:t>
-            </a:r>
-          </a:p>
-          <a:p>
-            <a:pPr lvl="0" indent="0" marL="0">
-              <a:spcBef>
-                <a:spcPts val="3000"/>
-              </a:spcBef>
-              <a:buNone/>
-            </a:pPr>
-            <a:r>
-              <a:rPr b="1"/>
-              <a:t>Icons by FontAwesome</a:t>
-            </a:r>
-          </a:p>
-          <a:p>
-            <a:pPr lvl="0" indent="0" marL="0">
-              <a:buNone/>
-            </a:pPr>
-            <a:r>
-              <a:rPr/>
-              <a:t>These are cool  but they do need a full render e.g. </a:t>
-            </a:r>
-            <a:r>
-              <a:rPr>
-                <a:latin typeface="Courier"/>
-              </a:rPr>
-              <a:t>$ quarto render</a:t>
-            </a:r>
-            <a:r>
-              <a:rPr/>
-              <a:t> in order to be seen.</a:t>
-            </a:r>
-          </a:p>
-          <a:p>
-            <a:pPr lvl="0" indent="0" marL="0">
-              <a:buNone/>
-            </a:pPr>
-            <a:r>
-              <a:rPr/>
-              <a:t>They can also be used in pdfs</a:t>
-            </a:r>
-          </a:p>
-        </p:txBody>
-      </p:sp>
-      <p:graphicFrame>
-        <p:nvGraphicFramePr>
-          <p:cNvPr id="6" name="Content Placeholder 5"/>
-          <p:cNvGraphicFramePr>
-            <a:graphicFrameLocks noGrp="1"/>
-          </p:cNvGraphicFramePr>
-          <p:nvPr>
-            <p:ph idx="1"/>
-          </p:nvPr>
-        </p:nvGraphicFramePr>
-        <p:xfrm>
-          <a:off x="5181600" y="977900"/>
-          <a:ext cx="6172200" cy="4356100"/>
-        </p:xfrm>
-        <a:graphic>
-          <a:graphicData uri="http://schemas.openxmlformats.org/drawingml/2006/table">
-            <a:tbl>
-              <a:tblPr firstRow="1" bandRow="1">
-                <a:tableStyleId>{5C22544A-7EE6-4342-B048-85BDC9FD1C3A}</a:tableStyleId>
-              </a:tblPr>
-              <a:tblGrid>
-                <a:gridCol w="3086100"/>
-                <a:gridCol w="3086100"/>
-              </a:tblGrid>
-              <a:tr h="0">
-                <a:tc>
-                  <a:txBody>
-                    <a:bodyPr/>
-                    <a:lstStyle/>
-                    <a:p>
-                      <a:pPr lvl="0" indent="0" marL="0" algn="l">
-                        <a:buNone/>
-                      </a:pPr>
-                      <a:r>
-                        <a:rPr/>
-                        <a:t>input</a:t>
-                      </a:r>
-                    </a:p>
-                  </a:txBody>
-                  <a:tcPr/>
-                </a:tc>
-                <a:tc>
-                  <a:txBody>
-                    <a:bodyPr/>
-                    <a:lstStyle/>
-                    <a:p>
-                      <a:pPr lvl="0" indent="0" marL="0" algn="ctr">
-                        <a:buNone/>
-                      </a:pPr>
-                      <a:r>
-                        <a:rPr/>
-                        <a:t>output</a:t>
-                      </a:r>
-                    </a:p>
-                  </a:txBody>
-                  <a:tcPr/>
-                </a:tc>
-              </a:tr>
-              <a:tr h="0">
-                <a:tc>
-                  <a:txBody>
-                    <a:bodyPr/>
-                    <a:lstStyle/>
-                    <a:p>
-                      <a:pPr lvl="0" indent="0" marL="0" algn="l">
-                        <a:buNone/>
-                      </a:pPr>
-                      <a:r>
-                        <a:rPr>
-                          <a:latin typeface="Courier"/>
-                        </a:rPr>
-                        <a:t>{{&lt; fa binoculars &gt;}}</a:t>
-                      </a:r>
-                    </a:p>
-                  </a:txBody>
-                </a:tc>
-                <a:tc>
-                  <a:txBody>
-                    <a:bodyPr/>
-                    <a:lstStyle/>
-                    <a:p>
-                      <a:pPr lvl="0" indent="0" marL="0" algn="ctr">
-                        <a:buNone/>
-                      </a:pPr>
-                      <a:r>
-                        <a:rPr/>
-                        <a:t> Prepare</a:t>
-                      </a:r>
-                    </a:p>
-                  </a:txBody>
-                </a:tc>
-              </a:tr>
-              <a:tr h="0">
-                <a:tc>
-                  <a:txBody>
-                    <a:bodyPr/>
-                    <a:lstStyle/>
-                    <a:p>
-                      <a:pPr lvl="0" indent="0" marL="0" algn="l">
-                        <a:buNone/>
-                      </a:pPr>
-                      <a:r>
-                        <a:rPr>
-                          <a:latin typeface="Courier"/>
-                        </a:rPr>
-                        <a:t>{{&lt; fa chalkboard-teacher &gt;}}</a:t>
-                      </a:r>
-                    </a:p>
-                  </a:txBody>
-                </a:tc>
-                <a:tc>
-                  <a:txBody>
-                    <a:bodyPr/>
-                    <a:lstStyle/>
-                    <a:p>
-                      <a:pPr lvl="0" indent="0" marL="0" algn="ctr">
-                        <a:buNone/>
-                      </a:pPr>
-                      <a:r>
-                        <a:rPr/>
-                        <a:t> Lecture</a:t>
-                      </a:r>
-                    </a:p>
-                  </a:txBody>
-                </a:tc>
-              </a:tr>
-              <a:tr h="0">
-                <a:tc>
-                  <a:txBody>
-                    <a:bodyPr/>
-                    <a:lstStyle/>
-                    <a:p>
-                      <a:pPr lvl="0" indent="0" marL="0" algn="l">
-                        <a:buNone/>
-                      </a:pPr>
-                      <a:r>
-                        <a:rPr>
-                          <a:latin typeface="Courier"/>
-                        </a:rPr>
-                        <a:t>{{&lt; fa users &gt;}}</a:t>
-                      </a:r>
-                    </a:p>
-                  </a:txBody>
-                </a:tc>
-                <a:tc>
-                  <a:txBody>
-                    <a:bodyPr/>
-                    <a:lstStyle/>
-                    <a:p>
-                      <a:pPr lvl="0" indent="0" marL="0" algn="ctr">
-                        <a:buNone/>
-                      </a:pPr>
-                      <a:r>
-                        <a:rPr/>
-                        <a:t> Lab</a:t>
-                      </a:r>
-                    </a:p>
-                  </a:txBody>
-                </a:tc>
-              </a:tr>
-              <a:tr h="0">
-                <a:tc>
-                  <a:txBody>
-                    <a:bodyPr/>
-                    <a:lstStyle/>
-                    <a:p>
-                      <a:pPr lvl="0" indent="0" marL="0" algn="l">
-                        <a:buNone/>
-                      </a:pPr>
-                      <a:r>
-                        <a:rPr>
-                          <a:latin typeface="Courier"/>
-                        </a:rPr>
-                        <a:t>{{&lt; fa bookmark &gt;}}</a:t>
-                      </a:r>
-                    </a:p>
-                  </a:txBody>
-                </a:tc>
-                <a:tc>
-                  <a:txBody>
-                    <a:bodyPr/>
-                    <a:lstStyle/>
-                    <a:p>
-                      <a:pPr lvl="0" indent="0" marL="0" algn="ctr">
-                        <a:buNone/>
-                      </a:pPr>
-                      <a:r>
-                        <a:rPr/>
-                        <a:t> Reading</a:t>
-                      </a:r>
-                    </a:p>
-                  </a:txBody>
-                </a:tc>
-              </a:tr>
-              <a:tr h="0">
-                <a:tc>
-                  <a:txBody>
-                    <a:bodyPr/>
-                    <a:lstStyle/>
-                    <a:p>
-                      <a:pPr lvl="0" indent="0" marL="0" algn="l">
-                        <a:buNone/>
-                      </a:pPr>
-                      <a:r>
-                        <a:rPr>
-                          <a:latin typeface="Courier"/>
-                        </a:rPr>
-                        <a:t>{{&lt; fa book &gt;}}</a:t>
-                      </a:r>
-                    </a:p>
-                  </a:txBody>
-                </a:tc>
-                <a:tc>
-                  <a:txBody>
-                    <a:bodyPr/>
-                    <a:lstStyle/>
-                    <a:p>
-                      <a:pPr lvl="0" indent="0" marL="0" algn="ctr">
-                        <a:buNone/>
-                      </a:pPr>
-                      <a:r>
-                        <a:rPr/>
-                        <a:t> Mini-Dissertation</a:t>
-                      </a:r>
-                    </a:p>
-                  </a:txBody>
-                </a:tc>
-              </a:tr>
-            </a:tbl>
-          </a:graphicData>
-        </a:graphic>
-      </p:graphicFrame>
-      <p:sp>
-        <p:nvSpPr>
-          <p:cNvPr id="1" name="TextBox 3"/>
-          <p:cNvSpPr txBox="1"/>
-          <p:nvPr/>
+          <p:cNvPr id="2" name="Title 1">
+            <a:extLst>
+              <a:ext uri="{FF2B5EF4-FFF2-40B4-BE49-F238E27FC236}">
+                <a16:creationId xmlns:a16="http://schemas.microsoft.com/office/drawing/2014/main" id="{DD9B8E45-0772-954C-8D4B-6E6808DFEDED}"/>
+              </a:ext>
+            </a:extLst>
+          </p:cNvPr>
+          <p:cNvSpPr>
+            <a:spLocks noGrp="1"/>
+          </p:cNvSpPr>
+          <p:nvPr>
+            <p:ph type="title"/>
+          </p:nvPr>
         </p:nvSpPr>
         <p:spPr>
           <a:xfrm>
-            <a:off x="5181600" y="5334000"/>
-            <a:ext cx="6172200" cy="508000"/>
+            <a:off x="838200" y="365129"/>
+            <a:ext cx="10002520" cy="1325563"/>
           </a:xfrm>
           <a:prstGeom prst="rect">
             <a:avLst/>
           </a:prstGeom>
-          <a:noFill/>
         </p:spPr>
         <p:txBody>
           <a:bodyPr/>
           <a:lstStyle/>
           <a:p>
-            <a:pPr lvl="0" indent="0" marL="0" algn="ctr">
+            <a:pPr lvl="0" indent="0" marL="0">
               <a:buNone/>
             </a:pPr>
             <a:r>
               <a:rPr/>
-              <a:t>Fontawesome</a:t>
+              <a:t>me</a:t>
+            </a:r>
+          </a:p>
+        </p:txBody>
+      </p:sp>
+      <p:sp>
+        <p:nvSpPr>
+          <p:cNvPr id="3" name="Content Placeholder 2">
+            <a:extLst>
+              <a:ext uri="{FF2B5EF4-FFF2-40B4-BE49-F238E27FC236}">
+                <a16:creationId xmlns:a16="http://schemas.microsoft.com/office/drawing/2014/main" id="{A4EB24F9-04F1-C843-9D71-56C5C024552B}"/>
+              </a:ext>
+            </a:extLst>
+          </p:cNvPr>
+          <p:cNvSpPr>
+            <a:spLocks noGrp="1"/>
+          </p:cNvSpPr>
+          <p:nvPr>
+            <p:ph idx="1"/>
+          </p:nvPr>
+        </p:nvSpPr>
+        <p:spPr/>
+        <p:txBody>
+          <a:bodyPr/>
+          <a:lstStyle/>
+          <a:p>
+            <a:pPr lvl="0" indent="0" marL="0">
+              <a:buNone/>
+            </a:pPr>
+            <a:r>
+              <a:rPr/>
+              <a:t>I will be in every Research Methods lecture and I have a Student Hour from 3-4 every Monday, before we all go to the Design &amp; Analysis lecture. Yup! Me too!</a:t>
+            </a:r>
+          </a:p>
+          <a:p>
+            <a:pPr lvl="0" indent="0" marL="0">
+              <a:buNone/>
+            </a:pPr>
+            <a:r>
+              <a:rPr/>
+              <a:t>Available at g.wright@gold.ac.uk</a:t>
+            </a:r>
+          </a:p>
+          <a:p>
+            <a:pPr lvl="0" indent="0" marL="0">
+              <a:buNone/>
+            </a:pPr>
+            <a:r>
+              <a:rPr/>
+              <a:t>I genuinely could not imagine anything I would rather do that this. Please talk to me!</a:t>
             </a:r>
           </a:p>
         </p:txBody>
@@ -6312,7 +6670,7 @@
             </a:pPr>
             <a:r>
               <a:rPr/>
-              <a:t>Induction Overview</a:t>
+              <a:t>Module weighting and assessment</a:t>
             </a:r>
           </a:p>
         </p:txBody>
@@ -6339,14 +6697,11 @@
           <a:lstStyle/>
           <a:p>
             <a:pPr lvl="0" indent="0" marL="0">
-              <a:spcBef>
-                <a:spcPts val="3000"/>
-              </a:spcBef>
               <a:buNone/>
             </a:pPr>
             <a:r>
-              <a:rPr b="1"/>
-              <a:t>Welcome back and welcome to Research Methods!</a:t>
+              <a:rPr/>
+              <a:t>Research Methods is a core module with a 30 credit weighting</a:t>
             </a:r>
           </a:p>
           <a:p>
@@ -6355,602 +6710,28 @@
             </a:pPr>
             <a:r>
               <a:rPr/>
-              <a:t>here is some content</a:t>
-            </a:r>
-          </a:p>
-          <a:p>
-            <a:pPr lvl="0" indent="0" marL="0">
-              <a:spcBef>
-                <a:spcPts val="3000"/>
-              </a:spcBef>
-              <a:buNone/>
-            </a:pPr>
-            <a:r>
-              <a:rPr b="1"/>
-              <a:t>This year you become Scientists!</a:t>
-            </a:r>
-          </a:p>
-          <a:p>
-            <a:pPr lvl="0" indent="0" marL="0">
-              <a:buNone/>
-            </a:pPr>
-            <a:r>
-              <a:rPr/>
-              <a:t>This year, in Research Methods, you will perform your first piece of REAL psychological research</a:t>
-            </a:r>
-          </a:p>
-          <a:p>
-            <a:pPr lvl="0" indent="0" marL="0">
-              <a:buNone/>
-            </a:pPr>
-            <a:r>
-              <a:rPr/>
-              <a:t>In groups, you will:</a:t>
+              <a:t>This means that in order to progress to Y3, you must pass all 3 assessment elements:</a:t>
             </a:r>
           </a:p>
           <a:p>
             <a:pPr lvl="0"/>
             <a:r>
               <a:rPr/>
-              <a:t>Identify an area of psychological research</a:t>
+              <a:t>Critical Proposal 1,800 words (15%)</a:t>
             </a:r>
           </a:p>
           <a:p>
             <a:pPr lvl="0"/>
             <a:r>
               <a:rPr/>
-              <a:t>Review and critique the literature in this area</a:t>
+              <a:t>Mini-Dissertation 2,500 words (70%)</a:t>
             </a:r>
           </a:p>
           <a:p>
             <a:pPr lvl="0"/>
             <a:r>
               <a:rPr/>
-              <a:t>Develop a testable hypothesis</a:t>
-            </a:r>
-          </a:p>
-          <a:p>
-            <a:pPr lvl="0"/>
-            <a:r>
-              <a:rPr/>
-              <a:t>Design a 2x2 ANOVA experiment unique to you (within your group design)</a:t>
-            </a:r>
-          </a:p>
-          <a:p>
-            <a:pPr lvl="0"/>
-            <a:r>
-              <a:rPr/>
-              <a:t>Obtain Ethical Approval for your experiment</a:t>
-            </a:r>
-          </a:p>
-          <a:p>
-            <a:pPr lvl="0"/>
-            <a:r>
-              <a:rPr/>
-              <a:t>Collect REAL data</a:t>
-            </a:r>
-          </a:p>
-          <a:p>
-            <a:pPr lvl="0"/>
-            <a:r>
-              <a:rPr/>
-              <a:t>Analyse these data</a:t>
-            </a:r>
-          </a:p>
-          <a:p>
-            <a:pPr lvl="0"/>
-            <a:r>
-              <a:rPr/>
-              <a:t>Write up the results in APA format</a:t>
-            </a:r>
-          </a:p>
-          <a:p>
-            <a:pPr lvl="0" indent="0" marL="0">
-              <a:spcBef>
-                <a:spcPts val="3000"/>
-              </a:spcBef>
-              <a:buNone/>
-            </a:pPr>
-            <a:r>
-              <a:rPr b="1"/>
-              <a:t>A full overview will be given in the first lecture!</a:t>
-            </a:r>
-          </a:p>
-          <a:p>
-            <a:pPr lvl="0" indent="0" marL="0">
-              <a:buNone/>
-            </a:pPr>
-            <a:r>
-              <a:rPr/>
-              <a:t>Do not worry! It’s going to be a great adventure!</a:t>
-            </a:r>
-          </a:p>
-          <a:p>
-            <a:pPr lvl="0" indent="0" marL="0">
-              <a:spcBef>
-                <a:spcPts val="3000"/>
-              </a:spcBef>
-              <a:buNone/>
-            </a:pPr>
-            <a:r>
-              <a:rPr b="1"/>
-              <a:t>A ‘warm up’ for your Y3 Dissertation</a:t>
-            </a:r>
-          </a:p>
-          <a:p>
-            <a:pPr lvl="0"/>
-            <a:r>
-              <a:rPr/>
-              <a:t>The same 20-week timeline</a:t>
-            </a:r>
-          </a:p>
-          <a:p>
-            <a:pPr lvl="0"/>
-            <a:r>
-              <a:rPr/>
-              <a:t>The same skills and techniques you will need</a:t>
-            </a:r>
-          </a:p>
-          <a:p>
-            <a:pPr lvl="0"/>
-            <a:r>
-              <a:rPr/>
-              <a:t>Careful step-by-step guidance and support in the lab setting</a:t>
-            </a:r>
-          </a:p>
-          <a:p>
-            <a:pPr lvl="0"/>
-            <a:r>
-              <a:rPr/>
-              <a:t>Scaled-down experiments and write-ups</a:t>
-            </a:r>
-          </a:p>
-          <a:p>
-            <a:pPr lvl="0"/>
-            <a:r>
-              <a:rPr/>
-              <a:t>The security of working in a group</a:t>
-            </a:r>
-          </a:p>
-          <a:p>
-            <a:pPr lvl="0"/>
-            <a:r>
-              <a:rPr/>
-              <a:t>Tips and advice from world-class researchers</a:t>
-            </a:r>
-          </a:p>
-          <a:p>
-            <a:pPr lvl="0"/>
-            <a:r>
-              <a:rPr/>
-              <a:t>Opportunity to think carefully about your final year Dissertation, and how to crush it!!</a:t>
-            </a:r>
-          </a:p>
-          <a:p>
-            <a:pPr lvl="0" indent="0" marL="0">
-              <a:spcBef>
-                <a:spcPts val="3000"/>
-              </a:spcBef>
-              <a:buNone/>
-            </a:pPr>
-            <a:r>
-              <a:rPr b="1"/>
-              <a:t>Support and guidance</a:t>
-            </a:r>
-          </a:p>
-          <a:p>
-            <a:pPr lvl="0"/>
-            <a:r>
-              <a:rPr/>
-              <a:t>Gordon Wright (Module Coordinator and floating Enthusiast in Chief)</a:t>
-            </a:r>
-          </a:p>
-          <a:p>
-            <a:pPr lvl="0"/>
-            <a:r>
-              <a:rPr/>
-              <a:t>7 gobsmackingly amazing Lab Tutors</a:t>
-            </a:r>
-          </a:p>
-          <a:p>
-            <a:pPr lvl="0"/>
-            <a:r>
-              <a:rPr/>
-              <a:t>Your Personal Tutor and your PT group</a:t>
-            </a:r>
-          </a:p>
-          <a:p>
-            <a:pPr lvl="0"/>
-            <a:r>
-              <a:rPr/>
-              <a:t>AND EACH OTHER!!</a:t>
-            </a:r>
-          </a:p>
-          <a:p>
-            <a:pPr lvl="0" indent="0" marL="0">
-              <a:buNone/>
-            </a:pPr>
-            <a:r>
-              <a:rPr/>
-              <a:t>This is a team-sport</a:t>
-            </a:r>
-          </a:p>
-          <a:p>
-            <a:pPr lvl="0" indent="0" marL="0">
-              <a:spcBef>
-                <a:spcPts val="3000"/>
-              </a:spcBef>
-              <a:buNone/>
-            </a:pPr>
-            <a:r>
-              <a:rPr b="1"/>
-              <a:t>me</a:t>
-            </a:r>
-          </a:p>
-          <a:p>
-            <a:pPr lvl="0" indent="0" marL="0">
-              <a:buNone/>
-            </a:pPr>
-            <a:r>
-              <a:rPr/>
-              <a:t>I will be in every Research Methods lecture and I have a Student Hour from 3-4 every Monday, before we all go to the Design &amp; Analysis lecture. Yup! Me too!</a:t>
-            </a:r>
-          </a:p>
-          <a:p>
-            <a:pPr lvl="0" indent="0" marL="0">
-              <a:buNone/>
-            </a:pPr>
-            <a:r>
-              <a:rPr/>
-              <a:t>Available at g.wright@gold.ac.uk</a:t>
-            </a:r>
-          </a:p>
-          <a:p>
-            <a:pPr lvl="0" indent="0" marL="0">
-              <a:buNone/>
-            </a:pPr>
-            <a:r>
-              <a:rPr/>
-              <a:t>I genuinely could not imagine anything I would rather do than this. Please talk to me! Help me get to know you!</a:t>
-            </a:r>
-          </a:p>
-          <a:p>
-            <a:pPr lvl="0" indent="0" marL="0">
-              <a:spcBef>
-                <a:spcPts val="3000"/>
-              </a:spcBef>
-              <a:buNone/>
-            </a:pPr>
-            <a:r>
-              <a:rPr b="1"/>
-              <a:t>Module weighting and assessment</a:t>
-            </a:r>
-          </a:p>
-          <a:p>
-            <a:pPr lvl="0" indent="0" marL="0">
-              <a:buNone/>
-            </a:pPr>
-            <a:r>
-              <a:rPr/>
-              <a:t>Research Methods is a core module with a 30 credit weighting</a:t>
-            </a:r>
-          </a:p>
-          <a:p>
-            <a:pPr lvl="0" indent="0" marL="0">
-              <a:buNone/>
-            </a:pPr>
-            <a:r>
-              <a:rPr/>
-              <a:t>This means that in order to progress to Y3, you must pass all 3 assessment elements:</a:t>
-            </a:r>
-          </a:p>
-          <a:p>
-            <a:pPr lvl="0"/>
-            <a:r>
-              <a:rPr/>
-              <a:t>Critical Proposal 1,800 words (15%)</a:t>
-            </a:r>
-          </a:p>
-          <a:p>
-            <a:pPr lvl="0"/>
-            <a:r>
-              <a:rPr/>
-              <a:t>Mini-Dissertation 2,500 words (70%)</a:t>
-            </a:r>
-          </a:p>
-          <a:p>
-            <a:pPr lvl="0"/>
-            <a:r>
-              <a:rPr/>
               <a:t>CHIP Learning Log 1,200 words (15%)</a:t>
-            </a:r>
-          </a:p>
-          <a:p>
-            <a:pPr lvl="0" indent="0" marL="0">
-              <a:spcBef>
-                <a:spcPts val="3000"/>
-              </a:spcBef>
-              <a:buNone/>
-            </a:pPr>
-            <a:r>
-              <a:rPr b="1"/>
-              <a:t>A friendly warning</a:t>
-            </a:r>
-          </a:p>
-          <a:p>
-            <a:pPr lvl="0" indent="0" marL="1270000">
-              <a:buNone/>
-            </a:pPr>
-            <a:r>
-              <a:rPr sz="2000" b="1"/>
-              <a:t>Warning</a:t>
-            </a:r>
-          </a:p>
-          <a:p>
-            <a:pPr lvl="0" indent="0" marL="1270000">
-              <a:buNone/>
-            </a:pPr>
-            <a:r>
-              <a:rPr sz="2000"/>
-              <a:t>All coursework is INDIVIDUAL and subject to normal plagiarism and collusion rules</a:t>
-            </a:r>
-          </a:p>
-          <a:p>
-            <a:pPr lvl="0" indent="0" marL="0">
-              <a:spcBef>
-                <a:spcPts val="3000"/>
-              </a:spcBef>
-              <a:buNone/>
-            </a:pPr>
-            <a:r>
-              <a:rPr b="1"/>
-              <a:t>Module structure</a:t>
-            </a:r>
-          </a:p>
-          <a:p>
-            <a:pPr lvl="0" indent="0" marL="0">
-              <a:buNone/>
-            </a:pPr>
-            <a:r>
-              <a:rPr/>
-              <a:t>1 x 1 hr Lecture per week (Monday)</a:t>
-            </a:r>
-          </a:p>
-          <a:p>
-            <a:pPr lvl="0" indent="0" marL="0">
-              <a:buNone/>
-            </a:pPr>
-            <a:r>
-              <a:rPr/>
-              <a:t>1 x 2 hr Lab per week (Tuesday)</a:t>
-            </a:r>
-          </a:p>
-          <a:p>
-            <a:pPr lvl="0" indent="0" marL="0">
-              <a:buNone/>
-            </a:pPr>
-            <a:r>
-              <a:rPr/>
-              <a:t>4 x Personal Tutor meetings across the year</a:t>
-            </a:r>
-          </a:p>
-          <a:p>
-            <a:pPr lvl="0" indent="0" marL="0">
-              <a:spcBef>
-                <a:spcPts val="3000"/>
-              </a:spcBef>
-              <a:buNone/>
-            </a:pPr>
-            <a:r>
-              <a:rPr b="1"/>
-              <a:t>Weekly Structure</a:t>
-            </a:r>
-          </a:p>
-          <a:p>
-            <a:pPr lvl="0" indent="0" marL="0">
-              <a:buNone/>
-            </a:pPr>
-            <a:r>
-              <a:rPr/>
-              <a:t>Each week there will be a very brief ‘</a:t>
-            </a:r>
-            <a:r>
-              <a:rPr b="1"/>
-              <a:t>Preparation</a:t>
-            </a:r>
-            <a:r>
-              <a:rPr/>
-              <a:t>’ designed to introduce the main topics of the week</a:t>
-            </a:r>
-          </a:p>
-          <a:p>
-            <a:pPr lvl="0" indent="0" marL="0">
-              <a:buNone/>
-            </a:pPr>
-            <a:r>
-              <a:rPr b="1"/>
-              <a:t>Lecture</a:t>
-            </a:r>
-            <a:r>
-              <a:rPr/>
-              <a:t> (slides a week ahead and recording posted afterwards)</a:t>
-            </a:r>
-          </a:p>
-          <a:p>
-            <a:pPr lvl="0" indent="0" marL="0">
-              <a:buNone/>
-            </a:pPr>
-            <a:r>
-              <a:rPr b="1"/>
-              <a:t>Labs</a:t>
-            </a:r>
-          </a:p>
-          <a:p>
-            <a:pPr lvl="0"/>
-            <a:r>
-              <a:rPr/>
-              <a:t>Broad structure, but for you to use to advantage</a:t>
-            </a:r>
-          </a:p>
-          <a:p>
-            <a:pPr lvl="0"/>
-            <a:r>
-              <a:rPr/>
-              <a:t>Attendance QR code up for 15 minutes, and the first 15 minutes is for you to get yourself sorted out as a group</a:t>
-            </a:r>
-          </a:p>
-          <a:p>
-            <a:pPr lvl="0"/>
-            <a:r>
-              <a:rPr/>
-              <a:t>Your Lab Tutor will give a 10-15 minute overview of what you could be doing, and a survey of the resources/materials provided</a:t>
-            </a:r>
-          </a:p>
-          <a:p>
-            <a:pPr lvl="0"/>
-            <a:r>
-              <a:rPr/>
-              <a:t>If you need support, make yourself known as your Lab Tutor (or I) tour the lab(s)</a:t>
-            </a:r>
-          </a:p>
-          <a:p>
-            <a:pPr lvl="0"/>
-            <a:r>
-              <a:rPr/>
-              <a:t>You can (and should) ask any questions that occur to you. The labs are for this purpose. Your Lab Tutor will not be responding to emails outside of lab sessions</a:t>
-            </a:r>
-          </a:p>
-          <a:p>
-            <a:pPr lvl="0"/>
-            <a:r>
-              <a:rPr/>
-              <a:t>Lots can be achieved in the labs, but independent study and coordinated group work will be required</a:t>
-            </a:r>
-          </a:p>
-          <a:p>
-            <a:pPr lvl="0" indent="0" marL="0">
-              <a:buNone/>
-            </a:pPr>
-            <a:r>
-              <a:rPr/>
-              <a:t>NO EXAM</a:t>
-            </a:r>
-          </a:p>
-          <a:p>
-            <a:pPr lvl="0" indent="0" marL="0">
-              <a:spcBef>
-                <a:spcPts val="3000"/>
-              </a:spcBef>
-              <a:buNone/>
-            </a:pPr>
-            <a:r>
-              <a:rPr b="1"/>
-              <a:t>Coursework</a:t>
-            </a:r>
-          </a:p>
-          <a:p>
-            <a:pPr lvl="0" indent="0" marL="0">
-              <a:buNone/>
-            </a:pPr>
-            <a:r>
-              <a:rPr/>
-              <a:t>The courseworks ALL require critical reflection and metacognitive practice. This will be discussed in a number of lectures, but it contributes to effective learning and your integration of the skills and experience of doing this research exercise.</a:t>
-            </a:r>
-          </a:p>
-          <a:p>
-            <a:pPr lvl="0" indent="0" marL="0">
-              <a:spcBef>
-                <a:spcPts val="3000"/>
-              </a:spcBef>
-              <a:buNone/>
-            </a:pPr>
-            <a:r>
-              <a:rPr b="1"/>
-              <a:t>Time management and teamwork</a:t>
-            </a:r>
-          </a:p>
-          <a:p>
-            <a:pPr lvl="0" indent="0" marL="0">
-              <a:buNone/>
-            </a:pPr>
-            <a:r>
-              <a:rPr/>
-              <a:t>..will both be required.</a:t>
-            </a:r>
-          </a:p>
-          <a:p>
-            <a:pPr lvl="0" indent="0" marL="0">
-              <a:buNone/>
-            </a:pPr>
-            <a:r>
-              <a:rPr/>
-              <a:t>I ask you to see both as an opportunity to develop these important skills.</a:t>
-            </a:r>
-          </a:p>
-          <a:p>
-            <a:pPr lvl="0" indent="0" marL="0">
-              <a:buNone/>
-            </a:pPr>
-            <a:r>
-              <a:rPr/>
-              <a:t>You will see we have some ideas to make this more relevant to careers and employability</a:t>
-            </a:r>
-          </a:p>
-          <a:p>
-            <a:pPr lvl="0" indent="0" marL="0">
-              <a:buNone/>
-            </a:pPr>
-            <a:r>
-              <a:rPr/>
-              <a:t>It is easier to ‘keep up than to catch up’.</a:t>
-            </a:r>
-          </a:p>
-          <a:p>
-            <a:pPr lvl="0" indent="0" marL="0">
-              <a:spcBef>
-                <a:spcPts val="3000"/>
-              </a:spcBef>
-              <a:buNone/>
-            </a:pPr>
-            <a:r>
-              <a:rPr b="1"/>
-              <a:t>Resources</a:t>
-            </a:r>
-          </a:p>
-          <a:p>
-            <a:pPr lvl="0" indent="0" marL="0">
-              <a:buNone/>
-            </a:pPr>
-            <a:r>
-              <a:rPr/>
-              <a:t>We will be releasing a series of valuable resources to help you through every step of the process</a:t>
-            </a:r>
-          </a:p>
-          <a:p>
-            <a:pPr lvl="0" indent="0" marL="0">
-              <a:buNone/>
-            </a:pPr>
-            <a:r>
-              <a:rPr/>
-              <a:t>These will have value for your final year dissertation too.</a:t>
-            </a:r>
-          </a:p>
-          <a:p>
-            <a:pPr lvl="0" indent="0" marL="0">
-              <a:buNone/>
-            </a:pPr>
-            <a:r>
-              <a:rPr/>
-              <a:t>Contribution to and comment on these is welcome and hoped for!</a:t>
-            </a:r>
-          </a:p>
-          <a:p>
-            <a:pPr lvl="0" indent="0" marL="0">
-              <a:buNone/>
-            </a:pPr>
-            <a:r>
-              <a:rPr/>
-              <a:t>Open Educational Resources will be used extensively, and most core readings are available online via the library.</a:t>
             </a:r>
           </a:p>
         </p:txBody>

--- a/_site/slides/week00/lecture.pptx
+++ b/_site/slides/week00/lecture.pptx
@@ -22,6 +22,10 @@
     <p:sldId id="270" r:id="rId16"/>
     <p:sldId id="271" r:id="rId17"/>
     <p:sldId id="272" r:id="rId18"/>
+    <p:sldId id="273" r:id="rId19"/>
+    <p:sldId id="274" r:id="rId20"/>
+    <p:sldId id="275" r:id="rId21"/>
+    <p:sldId id="276" r:id="rId22"/>
   </p:sldIdLst>
   <p:sldSz cx="12192000" cy="6858000"/>
   <p:notesSz cx="6858000" cy="9144000"/>
@@ -4938,7 +4942,7 @@
             </a:pPr>
             <a:r>
               <a:rPr/>
-              <a:t>Module Overview and Coursework Requirements</a:t>
+              <a:t>Slightly expanded induction information</a:t>
             </a:r>
             <a:br/>
             <a:br/>
@@ -5076,7 +5080,7 @@
             </a:pPr>
             <a:r>
               <a:rPr sz="2000"/>
-              <a:t>All coursework is INDIVIDUAL and subject to normal plagiarism and collusion rules</a:t>
+              <a:t>All coursework is INDIVIDUAL and subject to normal plagiarism and collusion rules. AI can (and likely should) be used for many aspects of the research process, and these will be indicated and guidance offered. However, the use of Generative AI to produce written work that you submit is not acceptable. Don’t make the mistake of falling for the superficially charming output of even the more advanced LLMs, it will not follow the requirements we impose, and it could hallucinate, and how would you know? Don’t risk it.</a:t>
             </a:r>
           </a:p>
         </p:txBody>
@@ -5168,7 +5172,7 @@
             </a:pPr>
             <a:r>
               <a:rPr/>
-              <a:t>1 x 1 hr Lecture per week (Monday)</a:t>
+              <a:t>1 x 1 hr Lecture per week (Monday 11-12 PSH LG02 (winter term))</a:t>
             </a:r>
           </a:p>
           <a:p>
@@ -5177,7 +5181,7 @@
             </a:pPr>
             <a:r>
               <a:rPr/>
-              <a:t>1 x 2 hr Lab per week (Tuesday)</a:t>
+              <a:t>1 x 2 hr Lab per week (Tuesday - see personal timetable)</a:t>
             </a:r>
           </a:p>
           <a:p>
@@ -5278,15 +5282,15 @@
             </a:pPr>
             <a:r>
               <a:rPr/>
-              <a:t>Each week there will be a very brief ‘</a:t>
+              <a:t>Each week there will be a very brief </a:t>
             </a:r>
             <a:r>
               <a:rPr b="1"/>
-              <a:t>Prelude</a:t>
-            </a:r>
-            <a:r>
-              <a:rPr/>
-              <a:t>’ designed to introduce one of the main topics of the week</a:t>
+              <a:t>Overview</a:t>
+            </a:r>
+            <a:r>
+              <a:rPr/>
+              <a:t> to set out the main topics and to give you a set of milestones or preparatory activities designed to keep you on track.</a:t>
             </a:r>
           </a:p>
           <a:p>
@@ -5299,61 +5303,7 @@
             </a:r>
             <a:r>
               <a:rPr/>
-              <a:t> (slides and recording posted afterwards)</a:t>
-            </a:r>
-          </a:p>
-          <a:p>
-            <a:pPr lvl="0" indent="0" marL="0">
-              <a:buNone/>
-            </a:pPr>
-            <a:r>
-              <a:rPr b="1"/>
-              <a:t>Lab Activity</a:t>
-            </a:r>
-          </a:p>
-          <a:p>
-            <a:pPr lvl="0"/>
-            <a:r>
-              <a:rPr b="1"/>
-              <a:t>‘Pulse’</a:t>
-            </a:r>
-            <a:r>
-              <a:rPr/>
-              <a:t> taken on entry - 2 minute quiz</a:t>
-            </a:r>
-          </a:p>
-          <a:p>
-            <a:pPr lvl="0"/>
-            <a:r>
-              <a:rPr b="1"/>
-              <a:t>Lab Notebook</a:t>
-            </a:r>
-            <a:r>
-              <a:rPr/>
-              <a:t> with brief ‘generative activities’ and opportunities for metacognitive reflection</a:t>
-            </a:r>
-          </a:p>
-          <a:p>
-            <a:pPr lvl="0"/>
-            <a:r>
-              <a:rPr/>
-              <a:t>Extras provided around skills or applications or just interesting factoids</a:t>
-            </a:r>
-          </a:p>
-          <a:p>
-            <a:pPr lvl="0"/>
-            <a:r>
-              <a:rPr/>
-              <a:t>Lots can be achieved in the labs, but independent study and coordinated group work will be required</a:t>
-            </a:r>
-          </a:p>
-          <a:p>
-            <a:pPr lvl="0" indent="0" marL="0">
-              <a:buNone/>
-            </a:pPr>
-            <a:r>
-              <a:rPr/>
-              <a:t>NO EXAM</a:t>
+              <a:t> (slides available as a Reveal Slideshow via Quarto and as pdf, docx, and if you wish for anything else, please just ask.)</a:t>
             </a:r>
           </a:p>
         </p:txBody>
@@ -5414,38 +5364,67 @@
             </a:pPr>
             <a:r>
               <a:rPr/>
-              <a:t>Coursework</a:t>
-            </a:r>
-          </a:p>
-        </p:txBody>
-      </p:sp>
-      <p:sp>
-        <p:nvSpPr>
-          <p:cNvPr id="3" name="Content Placeholder 2">
-            <a:extLst>
-              <a:ext uri="{FF2B5EF4-FFF2-40B4-BE49-F238E27FC236}">
-                <a16:creationId xmlns:a16="http://schemas.microsoft.com/office/drawing/2014/main" id="{A4EB24F9-04F1-C843-9D71-56C5C024552B}"/>
-              </a:ext>
-            </a:extLst>
-          </p:cNvPr>
-          <p:cNvSpPr>
-            <a:spLocks noGrp="1"/>
-          </p:cNvSpPr>
-          <p:nvPr>
-            <p:ph idx="1"/>
-          </p:nvPr>
-        </p:nvSpPr>
-        <p:spPr/>
+              <a:t>Labs</a:t>
+            </a:r>
+          </a:p>
+        </p:txBody>
+      </p:sp>
+      <p:pic>
+        <p:nvPicPr>
+          <p:cNvPr descr="images/LabSession.drawio.png" id="0" name="Picture 1"/>
+          <p:cNvPicPr>
+            <a:picLocks noGrp="1" noChangeAspect="1"/>
+          </p:cNvPicPr>
+          <p:nvPr/>
+        </p:nvPicPr>
+        <p:blipFill>
+          <a:blip r:embed="rId2"/>
+          <a:stretch>
+            <a:fillRect/>
+          </a:stretch>
+        </p:blipFill>
+        <p:spPr bwMode="auto">
+          <a:xfrm>
+            <a:off x="2413000" y="1816100"/>
+            <a:ext cx="7366000" cy="3835400"/>
+          </a:xfrm>
+          <a:prstGeom prst="rect">
+            <a:avLst/>
+          </a:prstGeom>
+          <a:noFill/>
+          <a:ln w="9525">
+            <a:noFill/>
+            <a:headEnd/>
+            <a:tailEnd/>
+          </a:ln>
+        </p:spPr>
+      </p:pic>
+      <p:sp>
+        <p:nvSpPr>
+          <p:cNvPr id="1" name="TextBox 3"/>
+          <p:cNvSpPr txBox="1"/>
+          <p:nvPr/>
+        </p:nvSpPr>
+        <p:spPr>
+          <a:xfrm>
+            <a:off x="838200" y="5651500"/>
+            <a:ext cx="10515600" cy="508000"/>
+          </a:xfrm>
+          <a:prstGeom prst="rect">
+            <a:avLst/>
+          </a:prstGeom>
+          <a:noFill/>
+        </p:spPr>
         <p:txBody>
           <a:bodyPr/>
           <a:lstStyle/>
           <a:p>
-            <a:pPr lvl="0" indent="0" marL="0">
+            <a:pPr lvl="0" indent="0" marL="0" algn="ctr">
               <a:buNone/>
             </a:pPr>
             <a:r>
               <a:rPr/>
-              <a:t>The courseworks ALL require critical reflection and metacognitive practice. This will be discussed in a number of lectures, but it contributes to effective learning and your integration of the skills and experience of doing this research exercise.</a:t>
+              <a:t>Lab structure</a:t>
             </a:r>
           </a:p>
         </p:txBody>
@@ -5474,97 +5453,40 @@
       </p:grpSpPr>
       <p:sp>
         <p:nvSpPr>
-          <p:cNvPr id="2" name="Title 1">
-            <a:extLst>
-              <a:ext uri="{FF2B5EF4-FFF2-40B4-BE49-F238E27FC236}">
-                <a16:creationId xmlns:a16="http://schemas.microsoft.com/office/drawing/2014/main" id="{DD9B8E45-0772-954C-8D4B-6E6808DFEDED}"/>
-              </a:ext>
-            </a:extLst>
-          </p:cNvPr>
-          <p:cNvSpPr>
-            <a:spLocks noGrp="1"/>
-          </p:cNvSpPr>
-          <p:nvPr>
-            <p:ph type="title"/>
-          </p:nvPr>
-        </p:nvSpPr>
-        <p:spPr>
-          <a:xfrm>
-            <a:off x="838200" y="365129"/>
-            <a:ext cx="10002520" cy="1325563"/>
-          </a:xfrm>
-          <a:prstGeom prst="rect">
-            <a:avLst/>
-          </a:prstGeom>
-        </p:spPr>
+          <p:cNvPr id="3" name="Content Placeholder 2">
+            <a:extLst>
+              <a:ext uri="{FF2B5EF4-FFF2-40B4-BE49-F238E27FC236}">
+                <a16:creationId xmlns:a16="http://schemas.microsoft.com/office/drawing/2014/main" id="{A4EB24F9-04F1-C843-9D71-56C5C024552B}"/>
+              </a:ext>
+            </a:extLst>
+          </p:cNvPr>
+          <p:cNvSpPr>
+            <a:spLocks noGrp="1"/>
+          </p:cNvSpPr>
+          <p:nvPr>
+            <p:ph idx="1"/>
+          </p:nvPr>
+        </p:nvSpPr>
+        <p:spPr/>
         <p:txBody>
           <a:bodyPr/>
           <a:lstStyle/>
           <a:p>
-            <a:pPr lvl="0" indent="0" marL="0">
-              <a:buNone/>
-            </a:pPr>
-            <a:r>
-              <a:rPr/>
-              <a:t>Time management and teamwork</a:t>
-            </a:r>
-          </a:p>
-        </p:txBody>
-      </p:sp>
-      <p:sp>
-        <p:nvSpPr>
-          <p:cNvPr id="3" name="Content Placeholder 2">
-            <a:extLst>
-              <a:ext uri="{FF2B5EF4-FFF2-40B4-BE49-F238E27FC236}">
-                <a16:creationId xmlns:a16="http://schemas.microsoft.com/office/drawing/2014/main" id="{A4EB24F9-04F1-C843-9D71-56C5C024552B}"/>
-              </a:ext>
-            </a:extLst>
-          </p:cNvPr>
-          <p:cNvSpPr>
-            <a:spLocks noGrp="1"/>
-          </p:cNvSpPr>
-          <p:nvPr>
-            <p:ph idx="1"/>
-          </p:nvPr>
-        </p:nvSpPr>
-        <p:spPr/>
-        <p:txBody>
-          <a:bodyPr/>
-          <a:lstStyle/>
-          <a:p>
-            <a:pPr lvl="0" indent="0" marL="0">
-              <a:buNone/>
-            </a:pPr>
-            <a:r>
-              <a:rPr/>
-              <a:t>..will both be required.</a:t>
-            </a:r>
-          </a:p>
-          <a:p>
-            <a:pPr lvl="0" indent="0" marL="0">
-              <a:buNone/>
-            </a:pPr>
-            <a:r>
-              <a:rPr/>
-              <a:t>I ask you to see both as an opportunity to develop these important skills.</a:t>
-            </a:r>
-          </a:p>
-          <a:p>
-            <a:pPr lvl="0" indent="0" marL="0">
-              <a:buNone/>
-            </a:pPr>
-            <a:r>
-              <a:rPr/>
-              <a:t>You will see we have some ideas to make this more relevant to careers and employability</a:t>
-            </a:r>
-          </a:p>
-          <a:p>
-            <a:pPr lvl="0" indent="0" marL="0">
-              <a:buNone/>
-            </a:pPr>
-            <a:r>
-              <a:rPr/>
-              <a:t>It is easier to ‘keep up than to catch up’.</a:t>
+            <a:pPr lvl="0"/>
+            <a:r>
+              <a:rPr b="1"/>
+              <a:t>Lab Notebook</a:t>
+            </a:r>
+            <a:r>
+              <a:rPr/>
+              <a:t> - find a solution that works for you, but make sure that you have it every week, so a cloud-based system would be best. You will be expected to show notes of your progress to your Lab Tutor</a:t>
+            </a:r>
+          </a:p>
+          <a:p>
+            <a:pPr lvl="0"/>
+            <a:r>
+              <a:rPr/>
+              <a:t>Lots can be achieved in the labs, but independent study and coordinated group work will be required. We will be asking about this aspect of the process regularly.</a:t>
             </a:r>
           </a:p>
         </p:txBody>
@@ -5596,7 +5518,7 @@
           <p:cNvPr id="2" name="Title 1">
             <a:extLst>
               <a:ext uri="{FF2B5EF4-FFF2-40B4-BE49-F238E27FC236}">
-                <a16:creationId xmlns:a16="http://schemas.microsoft.com/office/drawing/2014/main" id="{DD9B8E45-0772-954C-8D4B-6E6808DFEDED}"/>
+                <a16:creationId xmlns:a16="http://schemas.microsoft.com/office/drawing/2014/main" id="{2ECFDBC1-527D-3041-984A-EF5E7E9B7495}"/>
               </a:ext>
             </a:extLst>
           </p:cNvPr>
@@ -5610,7 +5532,7 @@
         <p:spPr>
           <a:xfrm>
             <a:off x="838200" y="365129"/>
-            <a:ext cx="10002520" cy="1325563"/>
+            <a:ext cx="10515600" cy="1325563"/>
           </a:xfrm>
           <a:prstGeom prst="rect">
             <a:avLst/>
@@ -5625,25 +5547,85 @@
             </a:pPr>
             <a:r>
               <a:rPr/>
-              <a:t>Resources</a:t>
-            </a:r>
-          </a:p>
-        </p:txBody>
-      </p:sp>
-      <p:sp>
-        <p:nvSpPr>
-          <p:cNvPr id="3" name="Content Placeholder 2">
-            <a:extLst>
-              <a:ext uri="{FF2B5EF4-FFF2-40B4-BE49-F238E27FC236}">
-                <a16:creationId xmlns:a16="http://schemas.microsoft.com/office/drawing/2014/main" id="{A4EB24F9-04F1-C843-9D71-56C5C024552B}"/>
-              </a:ext>
-            </a:extLst>
-          </p:cNvPr>
-          <p:cNvSpPr>
-            <a:spLocks noGrp="1"/>
-          </p:cNvSpPr>
-          <p:nvPr>
-            <p:ph idx="1"/>
+              <a:t>DangerZone</a:t>
+            </a:r>
+          </a:p>
+        </p:txBody>
+      </p:sp>
+      <p:pic>
+        <p:nvPicPr>
+          <p:cNvPr descr="images/Kenny.jpeg" id="0" name="Picture 1"/>
+          <p:cNvPicPr>
+            <a:picLocks noGrp="1" noChangeAspect="1"/>
+          </p:cNvPicPr>
+          <p:nvPr/>
+        </p:nvPicPr>
+        <p:blipFill>
+          <a:blip r:embed="rId2"/>
+          <a:stretch>
+            <a:fillRect/>
+          </a:stretch>
+        </p:blipFill>
+        <p:spPr bwMode="auto">
+          <a:xfrm>
+            <a:off x="1511300" y="1816100"/>
+            <a:ext cx="3835400" cy="3835400"/>
+          </a:xfrm>
+          <a:prstGeom prst="rect">
+            <a:avLst/>
+          </a:prstGeom>
+          <a:noFill/>
+          <a:ln w="9525">
+            <a:noFill/>
+            <a:headEnd/>
+            <a:tailEnd/>
+          </a:ln>
+        </p:spPr>
+      </p:pic>
+      <p:sp>
+        <p:nvSpPr>
+          <p:cNvPr id="1" name="TextBox 3"/>
+          <p:cNvSpPr txBox="1"/>
+          <p:nvPr/>
+        </p:nvSpPr>
+        <p:spPr>
+          <a:xfrm>
+            <a:off x="838200" y="5651500"/>
+            <a:ext cx="5181600" cy="508000"/>
+          </a:xfrm>
+          <a:prstGeom prst="rect">
+            <a:avLst/>
+          </a:prstGeom>
+          <a:noFill/>
+        </p:spPr>
+        <p:txBody>
+          <a:bodyPr/>
+          <a:lstStyle/>
+          <a:p>
+            <a:pPr lvl="0" indent="0" marL="0" algn="ctr">
+              <a:buNone/>
+            </a:pPr>
+            <a:r>
+              <a:rPr/>
+              <a:t>All hail the Kenny!</a:t>
+            </a:r>
+          </a:p>
+        </p:txBody>
+      </p:sp>
+      <p:sp>
+        <p:nvSpPr>
+          <p:cNvPr id="4" name="Content Placeholder 3">
+            <a:extLst>
+              <a:ext uri="{FF2B5EF4-FFF2-40B4-BE49-F238E27FC236}">
+                <a16:creationId xmlns:a16="http://schemas.microsoft.com/office/drawing/2014/main" id="{3B974A49-6A1E-2F48-B419-02B0A17B9692}"/>
+              </a:ext>
+            </a:extLst>
+          </p:cNvPr>
+          <p:cNvSpPr>
+            <a:spLocks noGrp="1"/>
+          </p:cNvSpPr>
+          <p:nvPr>
+            <p:ph idx="2" sz="half"/>
           </p:nvPr>
         </p:nvSpPr>
         <p:spPr/>
@@ -5656,7 +5638,22 @@
             </a:pPr>
             <a:r>
               <a:rPr/>
-              <a:t>We will be releasing a series of valuable resources to help you through every step of the process</a:t>
+              <a:t>“You’ll never say hello to you,</a:t>
+            </a:r>
+            <a:br/>
+            <a:r>
+              <a:rPr/>
+              <a:t>Until you get it on the red line overload.</a:t>
+            </a:r>
+            <a:br/>
+            <a:r>
+              <a:rPr/>
+              <a:t>You’ll never know what you can do,</a:t>
+            </a:r>
+            <a:br/>
+            <a:r>
+              <a:rPr/>
+              <a:t>Until you get it up as high as you can go!”</a:t>
             </a:r>
           </a:p>
           <a:p>
@@ -5665,25 +5662,7 @@
             </a:pPr>
             <a:r>
               <a:rPr/>
-              <a:t>These will have value for your final year dissertation too.</a:t>
-            </a:r>
-          </a:p>
-          <a:p>
-            <a:pPr lvl="0" indent="0" marL="0">
-              <a:buNone/>
-            </a:pPr>
-            <a:r>
-              <a:rPr/>
-              <a:t>Contribution to and comment on these is welcome and hoped for!</a:t>
-            </a:r>
-          </a:p>
-          <a:p>
-            <a:pPr lvl="0" indent="0" marL="0">
-              <a:buNone/>
-            </a:pPr>
-            <a:r>
-              <a:rPr/>
-              <a:t>Open Educational Resources will be used extensively, and most core readings are available online via the library.</a:t>
+              <a:t>Dangerzone - Loggins, K.</a:t>
             </a:r>
           </a:p>
         </p:txBody>
@@ -5744,7 +5723,7 @@
             </a:pPr>
             <a:r>
               <a:rPr/>
-              <a:t>Prelude 1</a:t>
+              <a:t>Highway to the Dangerzone</a:t>
             </a:r>
           </a:p>
         </p:txBody>
@@ -5775,7 +5754,25 @@
             </a:pPr>
             <a:r>
               <a:rPr/>
-              <a:t>We are starting off very easy. A short questionnaire to allow us to get to know you a little better, which we will use to develop the first lecture, and the course more generally.</a:t>
+              <a:t>DangerZone are opportunities to consider aspects of research procedure beyond the level expected for this year, but ‘on the table’ for next year and any future research endeavours.</a:t>
+            </a:r>
+          </a:p>
+          <a:p>
+            <a:pPr lvl="0" indent="0" marL="0">
+              <a:buNone/>
+            </a:pPr>
+            <a:r>
+              <a:rPr/>
+              <a:t>They are research-based in a loose sense - they will include programming, literature search and management, academic and knowledge management tools, tips and hacks that might (or might not) be of interest or useful.</a:t>
+            </a:r>
+          </a:p>
+          <a:p>
+            <a:pPr lvl="0" indent="0" marL="0">
+              <a:buNone/>
+            </a:pPr>
+            <a:r>
+              <a:rPr/>
+              <a:t>If the term is going well, they might even be fun. All ideas welcome.</a:t>
             </a:r>
           </a:p>
         </p:txBody>
@@ -5836,7 +5833,7 @@
             </a:pPr>
             <a:r>
               <a:rPr/>
-              <a:t>Thank you for your time</a:t>
+              <a:t>Coursework</a:t>
             </a:r>
           </a:p>
         </p:txBody>
@@ -5867,16 +5864,245 @@
             </a:pPr>
             <a:r>
               <a:rPr/>
-              <a:t>And have an amazing year!</a:t>
-            </a:r>
-          </a:p>
+              <a:t>The courseworks ALL require critical reflection and meta-cognitive practice. This will be discussed in a number of lectures, but it contributes to effective learning and your integration of the skills and experience of doing this research exercise.</a:t>
+            </a:r>
+          </a:p>
+        </p:txBody>
+      </p:sp>
+    </p:spTree>
+  </p:cSld>
+</p:sld>
+</file>
+
+<file path=ppt/slides/slide18.xml><?xml version="1.0" encoding="utf-8"?>
+<p:sld xmlns:a="http://schemas.openxmlformats.org/drawingml/2006/main" xmlns:r="http://schemas.openxmlformats.org/officeDocument/2006/relationships" xmlns:p="http://schemas.openxmlformats.org/presentationml/2006/main">
+  <p:cSld>
+    <p:spTree>
+      <p:nvGrpSpPr>
+        <p:cNvPr id="1" name=""/>
+        <p:cNvGrpSpPr/>
+        <p:nvPr/>
+      </p:nvGrpSpPr>
+      <p:grpSpPr>
+        <a:xfrm>
+          <a:off x="0" y="0"/>
+          <a:ext cx="0" cy="0"/>
+          <a:chOff x="0" y="0"/>
+          <a:chExt cx="0" cy="0"/>
+        </a:xfrm>
+      </p:grpSpPr>
+      <p:sp>
+        <p:nvSpPr>
+          <p:cNvPr id="2" name="Title 1">
+            <a:extLst>
+              <a:ext uri="{FF2B5EF4-FFF2-40B4-BE49-F238E27FC236}">
+                <a16:creationId xmlns:a16="http://schemas.microsoft.com/office/drawing/2014/main" id="{DD9B8E45-0772-954C-8D4B-6E6808DFEDED}"/>
+              </a:ext>
+            </a:extLst>
+          </p:cNvPr>
+          <p:cNvSpPr>
+            <a:spLocks noGrp="1"/>
+          </p:cNvSpPr>
+          <p:nvPr>
+            <p:ph type="title"/>
+          </p:nvPr>
+        </p:nvSpPr>
+        <p:spPr>
+          <a:xfrm>
+            <a:off x="838200" y="365129"/>
+            <a:ext cx="10002520" cy="1325563"/>
+          </a:xfrm>
+          <a:prstGeom prst="rect">
+            <a:avLst/>
+          </a:prstGeom>
+        </p:spPr>
+        <p:txBody>
+          <a:bodyPr/>
+          <a:lstStyle/>
           <a:p>
             <a:pPr lvl="0" indent="0" marL="0">
               <a:buNone/>
             </a:pPr>
             <a:r>
               <a:rPr/>
-              <a:t>The Research Methods Team</a:t>
+              <a:t>Time management and teamwork</a:t>
+            </a:r>
+          </a:p>
+        </p:txBody>
+      </p:sp>
+      <p:sp>
+        <p:nvSpPr>
+          <p:cNvPr id="3" name="Content Placeholder 2">
+            <a:extLst>
+              <a:ext uri="{FF2B5EF4-FFF2-40B4-BE49-F238E27FC236}">
+                <a16:creationId xmlns:a16="http://schemas.microsoft.com/office/drawing/2014/main" id="{A4EB24F9-04F1-C843-9D71-56C5C024552B}"/>
+              </a:ext>
+            </a:extLst>
+          </p:cNvPr>
+          <p:cNvSpPr>
+            <a:spLocks noGrp="1"/>
+          </p:cNvSpPr>
+          <p:nvPr>
+            <p:ph idx="1"/>
+          </p:nvPr>
+        </p:nvSpPr>
+        <p:spPr/>
+        <p:txBody>
+          <a:bodyPr/>
+          <a:lstStyle/>
+          <a:p>
+            <a:pPr lvl="0" indent="0" marL="0">
+              <a:buNone/>
+            </a:pPr>
+            <a:r>
+              <a:rPr/>
+              <a:t>..will both be required.</a:t>
+            </a:r>
+          </a:p>
+          <a:p>
+            <a:pPr lvl="0" indent="0" marL="0">
+              <a:buNone/>
+            </a:pPr>
+            <a:r>
+              <a:rPr/>
+              <a:t>I ask you to see both as an opportunity to develop these important skills.</a:t>
+            </a:r>
+          </a:p>
+          <a:p>
+            <a:pPr lvl="0" indent="0" marL="0">
+              <a:buNone/>
+            </a:pPr>
+            <a:r>
+              <a:rPr/>
+              <a:t>You will see we have some ideas to make this more relevant to careers and employability</a:t>
+            </a:r>
+          </a:p>
+          <a:p>
+            <a:pPr lvl="0" indent="0" marL="0">
+              <a:buNone/>
+            </a:pPr>
+            <a:r>
+              <a:rPr/>
+              <a:t>It is easier to ‘keep up than to catch up’.</a:t>
+            </a:r>
+          </a:p>
+        </p:txBody>
+      </p:sp>
+    </p:spTree>
+  </p:cSld>
+</p:sld>
+</file>
+
+<file path=ppt/slides/slide19.xml><?xml version="1.0" encoding="utf-8"?>
+<p:sld xmlns:a="http://schemas.openxmlformats.org/drawingml/2006/main" xmlns:r="http://schemas.openxmlformats.org/officeDocument/2006/relationships" xmlns:p="http://schemas.openxmlformats.org/presentationml/2006/main">
+  <p:cSld>
+    <p:spTree>
+      <p:nvGrpSpPr>
+        <p:cNvPr id="1" name=""/>
+        <p:cNvGrpSpPr/>
+        <p:nvPr/>
+      </p:nvGrpSpPr>
+      <p:grpSpPr>
+        <a:xfrm>
+          <a:off x="0" y="0"/>
+          <a:ext cx="0" cy="0"/>
+          <a:chOff x="0" y="0"/>
+          <a:chExt cx="0" cy="0"/>
+        </a:xfrm>
+      </p:grpSpPr>
+      <p:sp>
+        <p:nvSpPr>
+          <p:cNvPr id="2" name="Title 1">
+            <a:extLst>
+              <a:ext uri="{FF2B5EF4-FFF2-40B4-BE49-F238E27FC236}">
+                <a16:creationId xmlns:a16="http://schemas.microsoft.com/office/drawing/2014/main" id="{DD9B8E45-0772-954C-8D4B-6E6808DFEDED}"/>
+              </a:ext>
+            </a:extLst>
+          </p:cNvPr>
+          <p:cNvSpPr>
+            <a:spLocks noGrp="1"/>
+          </p:cNvSpPr>
+          <p:nvPr>
+            <p:ph type="title"/>
+          </p:nvPr>
+        </p:nvSpPr>
+        <p:spPr>
+          <a:xfrm>
+            <a:off x="838200" y="365129"/>
+            <a:ext cx="10002520" cy="1325563"/>
+          </a:xfrm>
+          <a:prstGeom prst="rect">
+            <a:avLst/>
+          </a:prstGeom>
+        </p:spPr>
+        <p:txBody>
+          <a:bodyPr/>
+          <a:lstStyle/>
+          <a:p>
+            <a:pPr lvl="0" indent="0" marL="0">
+              <a:buNone/>
+            </a:pPr>
+            <a:r>
+              <a:rPr/>
+              <a:t>Resources</a:t>
+            </a:r>
+          </a:p>
+        </p:txBody>
+      </p:sp>
+      <p:sp>
+        <p:nvSpPr>
+          <p:cNvPr id="3" name="Content Placeholder 2">
+            <a:extLst>
+              <a:ext uri="{FF2B5EF4-FFF2-40B4-BE49-F238E27FC236}">
+                <a16:creationId xmlns:a16="http://schemas.microsoft.com/office/drawing/2014/main" id="{A4EB24F9-04F1-C843-9D71-56C5C024552B}"/>
+              </a:ext>
+            </a:extLst>
+          </p:cNvPr>
+          <p:cNvSpPr>
+            <a:spLocks noGrp="1"/>
+          </p:cNvSpPr>
+          <p:nvPr>
+            <p:ph idx="1"/>
+          </p:nvPr>
+        </p:nvSpPr>
+        <p:spPr/>
+        <p:txBody>
+          <a:bodyPr/>
+          <a:lstStyle/>
+          <a:p>
+            <a:pPr lvl="0" indent="0" marL="0">
+              <a:buNone/>
+            </a:pPr>
+            <a:r>
+              <a:rPr/>
+              <a:t>We will be releasing a series of valuable resources to help you through every step of the process</a:t>
+            </a:r>
+          </a:p>
+          <a:p>
+            <a:pPr lvl="0" indent="0" marL="0">
+              <a:buNone/>
+            </a:pPr>
+            <a:r>
+              <a:rPr/>
+              <a:t>These will have value for your final year dissertation too.</a:t>
+            </a:r>
+          </a:p>
+          <a:p>
+            <a:pPr lvl="0" indent="0" marL="0">
+              <a:buNone/>
+            </a:pPr>
+            <a:r>
+              <a:rPr/>
+              <a:t>Contribution to and comment on these is welcome and hoped for!</a:t>
+            </a:r>
+          </a:p>
+          <a:p>
+            <a:pPr lvl="0" indent="0" marL="0">
+              <a:buNone/>
+            </a:pPr>
+            <a:r>
+              <a:rPr/>
+              <a:t>Open Educational Resources will be used extensively, and most core readings are available online via the library.</a:t>
             </a:r>
           </a:p>
         </p:txBody>
@@ -5947,6 +6173,199 @@
 </p:sld>
 </file>
 
+<file path=ppt/slides/slide20.xml><?xml version="1.0" encoding="utf-8"?>
+<p:sld xmlns:a="http://schemas.openxmlformats.org/drawingml/2006/main" xmlns:r="http://schemas.openxmlformats.org/officeDocument/2006/relationships" xmlns:p="http://schemas.openxmlformats.org/presentationml/2006/main">
+  <p:cSld>
+    <p:spTree>
+      <p:nvGrpSpPr>
+        <p:cNvPr id="1" name=""/>
+        <p:cNvGrpSpPr/>
+        <p:nvPr/>
+      </p:nvGrpSpPr>
+      <p:grpSpPr>
+        <a:xfrm>
+          <a:off x="0" y="0"/>
+          <a:ext cx="0" cy="0"/>
+          <a:chOff x="0" y="0"/>
+          <a:chExt cx="0" cy="0"/>
+        </a:xfrm>
+      </p:grpSpPr>
+      <p:sp>
+        <p:nvSpPr>
+          <p:cNvPr id="2" name="Title 1">
+            <a:extLst>
+              <a:ext uri="{FF2B5EF4-FFF2-40B4-BE49-F238E27FC236}">
+                <a16:creationId xmlns:a16="http://schemas.microsoft.com/office/drawing/2014/main" id="{DD9B8E45-0772-954C-8D4B-6E6808DFEDED}"/>
+              </a:ext>
+            </a:extLst>
+          </p:cNvPr>
+          <p:cNvSpPr>
+            <a:spLocks noGrp="1"/>
+          </p:cNvSpPr>
+          <p:nvPr>
+            <p:ph type="title"/>
+          </p:nvPr>
+        </p:nvSpPr>
+        <p:spPr>
+          <a:xfrm>
+            <a:off x="838200" y="365129"/>
+            <a:ext cx="10002520" cy="1325563"/>
+          </a:xfrm>
+          <a:prstGeom prst="rect">
+            <a:avLst/>
+          </a:prstGeom>
+        </p:spPr>
+        <p:txBody>
+          <a:bodyPr/>
+          <a:lstStyle/>
+          <a:p>
+            <a:pPr lvl="0" indent="0" marL="0">
+              <a:buNone/>
+            </a:pPr>
+            <a:r>
+              <a:rPr/>
+              <a:t>Before Lab 1, please…</a:t>
+            </a:r>
+          </a:p>
+        </p:txBody>
+      </p:sp>
+      <p:sp>
+        <p:nvSpPr>
+          <p:cNvPr id="3" name="Content Placeholder 2">
+            <a:extLst>
+              <a:ext uri="{FF2B5EF4-FFF2-40B4-BE49-F238E27FC236}">
+                <a16:creationId xmlns:a16="http://schemas.microsoft.com/office/drawing/2014/main" id="{A4EB24F9-04F1-C843-9D71-56C5C024552B}"/>
+              </a:ext>
+            </a:extLst>
+          </p:cNvPr>
+          <p:cNvSpPr>
+            <a:spLocks noGrp="1"/>
+          </p:cNvSpPr>
+          <p:nvPr>
+            <p:ph idx="1"/>
+          </p:nvPr>
+        </p:nvSpPr>
+        <p:spPr/>
+        <p:txBody>
+          <a:bodyPr/>
+          <a:lstStyle/>
+          <a:p>
+            <a:pPr lvl="0" indent="0" marL="0">
+              <a:buNone/>
+            </a:pPr>
+            <a:r>
+              <a:rPr/>
+              <a:t>Add an email signature to your college email, including your student number, programme, lab tutor, and personal tutor. It will speed up responses to any emails you send to staff.</a:t>
+            </a:r>
+          </a:p>
+        </p:txBody>
+      </p:sp>
+    </p:spTree>
+  </p:cSld>
+</p:sld>
+</file>
+
+<file path=ppt/slides/slide21.xml><?xml version="1.0" encoding="utf-8"?>
+<p:sld xmlns:a="http://schemas.openxmlformats.org/drawingml/2006/main" xmlns:r="http://schemas.openxmlformats.org/officeDocument/2006/relationships" xmlns:p="http://schemas.openxmlformats.org/presentationml/2006/main">
+  <p:cSld>
+    <p:spTree>
+      <p:nvGrpSpPr>
+        <p:cNvPr id="1" name=""/>
+        <p:cNvGrpSpPr/>
+        <p:nvPr/>
+      </p:nvGrpSpPr>
+      <p:grpSpPr>
+        <a:xfrm>
+          <a:off x="0" y="0"/>
+          <a:ext cx="0" cy="0"/>
+          <a:chOff x="0" y="0"/>
+          <a:chExt cx="0" cy="0"/>
+        </a:xfrm>
+      </p:grpSpPr>
+      <p:sp>
+        <p:nvSpPr>
+          <p:cNvPr id="2" name="Title 1">
+            <a:extLst>
+              <a:ext uri="{FF2B5EF4-FFF2-40B4-BE49-F238E27FC236}">
+                <a16:creationId xmlns:a16="http://schemas.microsoft.com/office/drawing/2014/main" id="{DD9B8E45-0772-954C-8D4B-6E6808DFEDED}"/>
+              </a:ext>
+            </a:extLst>
+          </p:cNvPr>
+          <p:cNvSpPr>
+            <a:spLocks noGrp="1"/>
+          </p:cNvSpPr>
+          <p:nvPr>
+            <p:ph type="title"/>
+          </p:nvPr>
+        </p:nvSpPr>
+        <p:spPr>
+          <a:xfrm>
+            <a:off x="838200" y="365129"/>
+            <a:ext cx="10002520" cy="1325563"/>
+          </a:xfrm>
+          <a:prstGeom prst="rect">
+            <a:avLst/>
+          </a:prstGeom>
+        </p:spPr>
+        <p:txBody>
+          <a:bodyPr/>
+          <a:lstStyle/>
+          <a:p>
+            <a:pPr lvl="0" indent="0" marL="0">
+              <a:buNone/>
+            </a:pPr>
+            <a:r>
+              <a:rPr/>
+              <a:t>Thank you for your time</a:t>
+            </a:r>
+          </a:p>
+        </p:txBody>
+      </p:sp>
+      <p:sp>
+        <p:nvSpPr>
+          <p:cNvPr id="3" name="Content Placeholder 2">
+            <a:extLst>
+              <a:ext uri="{FF2B5EF4-FFF2-40B4-BE49-F238E27FC236}">
+                <a16:creationId xmlns:a16="http://schemas.microsoft.com/office/drawing/2014/main" id="{A4EB24F9-04F1-C843-9D71-56C5C024552B}"/>
+              </a:ext>
+            </a:extLst>
+          </p:cNvPr>
+          <p:cNvSpPr>
+            <a:spLocks noGrp="1"/>
+          </p:cNvSpPr>
+          <p:nvPr>
+            <p:ph idx="1"/>
+          </p:nvPr>
+        </p:nvSpPr>
+        <p:spPr/>
+        <p:txBody>
+          <a:bodyPr/>
+          <a:lstStyle/>
+          <a:p>
+            <a:pPr lvl="0" indent="0" marL="0">
+              <a:buNone/>
+            </a:pPr>
+            <a:r>
+              <a:rPr/>
+              <a:t>And have an amazing year!</a:t>
+            </a:r>
+          </a:p>
+          <a:p>
+            <a:pPr lvl="0" indent="0" marL="0">
+              <a:buNone/>
+            </a:pPr>
+            <a:r>
+              <a:rPr/>
+              <a:t>The Research Methods Team</a:t>
+            </a:r>
+          </a:p>
+        </p:txBody>
+      </p:sp>
+    </p:spTree>
+  </p:cSld>
+</p:sld>
+</file>
+
 <file path=ppt/slides/slide3.xml><?xml version="1.0" encoding="utf-8"?>
 <p:sld xmlns:a="http://schemas.openxmlformats.org/drawingml/2006/main" xmlns:r="http://schemas.openxmlformats.org/officeDocument/2006/relationships" xmlns:p="http://schemas.openxmlformats.org/presentationml/2006/main">
   <p:cSld>
@@ -6476,7 +6895,7 @@
             <a:pPr lvl="0"/>
             <a:r>
               <a:rPr/>
-              <a:t>7 gobsmackingly amazing Lab Tutors</a:t>
+              <a:t>6 gobsmackingly amazing Lab Tutors</a:t>
             </a:r>
           </a:p>
           <a:p>
@@ -6591,7 +7010,7 @@
             </a:pPr>
             <a:r>
               <a:rPr/>
-              <a:t>I will be in every Research Methods lecture and I have a Student Hour from 3-4 every Monday, before we all go to the Design &amp; Analysis lecture. Yup! Me too!</a:t>
+              <a:t>I will be in every Research Methods lecture and I have a Student Hour from 1-2(tbc) every Monday.</a:t>
             </a:r>
           </a:p>
           <a:p>
@@ -6609,7 +7028,7 @@
             </a:pPr>
             <a:r>
               <a:rPr/>
-              <a:t>I genuinely could not imagine anything I would rather do that this. Please talk to me!</a:t>
+              <a:t>I genuinely couldn’t imagine anything I would rather do that this. Please talk to me and help me get to know you!</a:t>
             </a:r>
           </a:p>
         </p:txBody>
@@ -6701,7 +7120,7 @@
             </a:pPr>
             <a:r>
               <a:rPr/>
-              <a:t>Research Methods is a core module with a 30 credit weighting</a:t>
+              <a:t>Research Methods has a 30 credit weighting, meaning that the Mini-Dissertation contributes 10x the developmental essay. Keep that in mind.</a:t>
             </a:r>
           </a:p>
           <a:p>
@@ -6710,7 +7129,7 @@
             </a:pPr>
             <a:r>
               <a:rPr/>
-              <a:t>This means that in order to progress to Y3, you must pass all 3 assessment elements:</a:t>
+              <a:t>To pass, you must pass all 3 assessment elements:</a:t>
             </a:r>
           </a:p>
           <a:p>

--- a/_site/slides/week00/lecture.pptx
+++ b/_site/slides/week00/lecture.pptx
@@ -319,7 +319,7 @@
             <a:fld id="{241EB5C9-1307-BA42-ABA2-0BC069CD8E7F}" type="datetimeFigureOut">
               <a:rPr lang="en-US" smtClean="0"/>
               <a:pPr/>
-              <a:t>9/24/23</a:t>
+              <a:t>9/26/23</a:t>
             </a:fld>
             <a:endParaRPr lang="en-US" dirty="0"/>
           </a:p>
@@ -662,7 +662,7 @@
             <a:fld id="{241EB5C9-1307-BA42-ABA2-0BC069CD8E7F}" type="datetimeFigureOut">
               <a:rPr lang="en-US" smtClean="0"/>
               <a:pPr/>
-              <a:t>9/24/23</a:t>
+              <a:t>9/26/23</a:t>
             </a:fld>
             <a:endParaRPr lang="en-US"/>
           </a:p>
@@ -980,7 +980,7 @@
             <a:fld id="{241EB5C9-1307-BA42-ABA2-0BC069CD8E7F}" type="datetimeFigureOut">
               <a:rPr lang="en-US" smtClean="0"/>
               <a:pPr/>
-              <a:t>9/24/23</a:t>
+              <a:t>9/26/23</a:t>
             </a:fld>
             <a:endParaRPr lang="en-US"/>
           </a:p>
@@ -1296,7 +1296,7 @@
           <a:p>
             <a:fld id="{241EB5C9-1307-BA42-ABA2-0BC069CD8E7F}" type="datetimeFigureOut">
               <a:rPr lang="en-US" smtClean="0"/>
-              <a:t>9/24/23</a:t>
+              <a:t>9/26/23</a:t>
             </a:fld>
             <a:endParaRPr lang="en-US"/>
           </a:p>
@@ -1642,7 +1642,7 @@
             <a:fld id="{241EB5C9-1307-BA42-ABA2-0BC069CD8E7F}" type="datetimeFigureOut">
               <a:rPr lang="en-US" smtClean="0"/>
               <a:pPr/>
-              <a:t>9/24/23</a:t>
+              <a:t>9/26/23</a:t>
             </a:fld>
             <a:endParaRPr lang="en-US"/>
           </a:p>
@@ -1835,7 +1835,7 @@
           <a:p>
             <a:fld id="{241EB5C9-1307-BA42-ABA2-0BC069CD8E7F}" type="datetimeFigureOut">
               <a:rPr lang="en-US" smtClean="0"/>
-              <a:t>9/24/23</a:t>
+              <a:t>9/26/23</a:t>
             </a:fld>
             <a:endParaRPr lang="en-US"/>
           </a:p>
@@ -2353,7 +2353,7 @@
             <a:fld id="{241EB5C9-1307-BA42-ABA2-0BC069CD8E7F}" type="datetimeFigureOut">
               <a:rPr lang="en-US" smtClean="0"/>
               <a:pPr/>
-              <a:t>9/24/23</a:t>
+              <a:t>9/26/23</a:t>
             </a:fld>
             <a:endParaRPr lang="en-US"/>
           </a:p>
@@ -3006,7 +3006,7 @@
             <a:fld id="{241EB5C9-1307-BA42-ABA2-0BC069CD8E7F}" type="datetimeFigureOut">
               <a:rPr lang="en-US" smtClean="0"/>
               <a:pPr/>
-              <a:t>9/24/23</a:t>
+              <a:t>9/26/23</a:t>
             </a:fld>
             <a:endParaRPr lang="en-US"/>
           </a:p>
@@ -3210,7 +3210,7 @@
             <a:fld id="{241EB5C9-1307-BA42-ABA2-0BC069CD8E7F}" type="datetimeFigureOut">
               <a:rPr lang="en-US" smtClean="0"/>
               <a:pPr/>
-              <a:t>9/24/23</a:t>
+              <a:t>9/26/23</a:t>
             </a:fld>
             <a:endParaRPr lang="en-US"/>
           </a:p>
@@ -3383,7 +3383,7 @@
           <a:p>
             <a:fld id="{241EB5C9-1307-BA42-ABA2-0BC069CD8E7F}" type="datetimeFigureOut">
               <a:rPr lang="en-US" smtClean="0"/>
-              <a:t>9/24/23</a:t>
+              <a:t>9/26/23</a:t>
             </a:fld>
             <a:endParaRPr lang="en-US"/>
           </a:p>
@@ -3802,7 +3802,7 @@
             <a:fld id="{241EB5C9-1307-BA42-ABA2-0BC069CD8E7F}" type="datetimeFigureOut">
               <a:rPr lang="en-US" smtClean="0"/>
               <a:pPr/>
-              <a:t>9/24/23</a:t>
+              <a:t>9/26/23</a:t>
             </a:fld>
             <a:endParaRPr lang="en-US"/>
           </a:p>
@@ -4166,7 +4166,7 @@
             <a:fld id="{241EB5C9-1307-BA42-ABA2-0BC069CD8E7F}" type="datetimeFigureOut">
               <a:rPr lang="en-US" smtClean="0"/>
               <a:pPr/>
-              <a:t>9/24/23</a:t>
+              <a:t>9/26/23</a:t>
             </a:fld>
             <a:endParaRPr lang="en-US"/>
           </a:p>
@@ -4410,7 +4410,7 @@
             <a:fld id="{241EB5C9-1307-BA42-ABA2-0BC069CD8E7F}" type="datetimeFigureOut">
               <a:rPr lang="en-US" smtClean="0"/>
               <a:pPr/>
-              <a:t>9/24/23</a:t>
+              <a:t>9/26/23</a:t>
             </a:fld>
             <a:endParaRPr lang="en-US"/>
           </a:p>

--- a/_site/slides/week00/lecture.pptx
+++ b/_site/slides/week00/lecture.pptx
@@ -25,7 +25,6 @@
     <p:sldId id="273" r:id="rId19"/>
     <p:sldId id="274" r:id="rId20"/>
     <p:sldId id="275" r:id="rId21"/>
-    <p:sldId id="276" r:id="rId22"/>
   </p:sldIdLst>
   <p:sldSz cx="12192000" cy="6858000"/>
   <p:notesSz cx="6858000" cy="9144000"/>
@@ -5429,74 +5428,52 @@
           </a:p>
         </p:txBody>
       </p:sp>
+      <p:sp>
+        <p:nvSpPr>
+          <p:cNvPr id="3" name="Content Placeholder 2">
+            <a:extLst>
+              <a:ext uri="{FF2B5EF4-FFF2-40B4-BE49-F238E27FC236}">
+                <a16:creationId xmlns:a16="http://schemas.microsoft.com/office/drawing/2014/main" id="{A4EB24F9-04F1-C843-9D71-56C5C024552B}"/>
+              </a:ext>
+            </a:extLst>
+          </p:cNvPr>
+          <p:cNvSpPr>
+            <a:spLocks noGrp="1"/>
+          </p:cNvSpPr>
+          <p:nvPr>
+            <p:ph idx="1"/>
+          </p:nvPr>
+        </p:nvSpPr>
+        <p:spPr/>
+        <p:txBody>
+          <a:bodyPr/>
+          <a:lstStyle/>
+          <a:p>
+            <a:pPr lvl="0"/>
+            <a:r>
+              <a:rPr b="1"/>
+              <a:t>Lab Notebook</a:t>
+            </a:r>
+            <a:r>
+              <a:rPr/>
+              <a:t> - find a solution that works for you, but make sure that you have it every week, so a cloud-based system would be best. You will be expected to show notes of your progress to your Lab Tutor</a:t>
+            </a:r>
+          </a:p>
+          <a:p>
+            <a:pPr lvl="0"/>
+            <a:r>
+              <a:rPr/>
+              <a:t>Lots can be achieved in the labs, but independent study and coordinated group work will be required. We will be asking about this aspect of the process regularly.</a:t>
+            </a:r>
+          </a:p>
+        </p:txBody>
+      </p:sp>
     </p:spTree>
   </p:cSld>
 </p:sld>
 </file>
 
 <file path=ppt/slides/slide14.xml><?xml version="1.0" encoding="utf-8"?>
-<p:sld xmlns:a="http://schemas.openxmlformats.org/drawingml/2006/main" xmlns:r="http://schemas.openxmlformats.org/officeDocument/2006/relationships" xmlns:p="http://schemas.openxmlformats.org/presentationml/2006/main">
-  <p:cSld>
-    <p:spTree>
-      <p:nvGrpSpPr>
-        <p:cNvPr id="1" name=""/>
-        <p:cNvGrpSpPr/>
-        <p:nvPr/>
-      </p:nvGrpSpPr>
-      <p:grpSpPr>
-        <a:xfrm>
-          <a:off x="0" y="0"/>
-          <a:ext cx="0" cy="0"/>
-          <a:chOff x="0" y="0"/>
-          <a:chExt cx="0" cy="0"/>
-        </a:xfrm>
-      </p:grpSpPr>
-      <p:sp>
-        <p:nvSpPr>
-          <p:cNvPr id="3" name="Content Placeholder 2">
-            <a:extLst>
-              <a:ext uri="{FF2B5EF4-FFF2-40B4-BE49-F238E27FC236}">
-                <a16:creationId xmlns:a16="http://schemas.microsoft.com/office/drawing/2014/main" id="{A4EB24F9-04F1-C843-9D71-56C5C024552B}"/>
-              </a:ext>
-            </a:extLst>
-          </p:cNvPr>
-          <p:cNvSpPr>
-            <a:spLocks noGrp="1"/>
-          </p:cNvSpPr>
-          <p:nvPr>
-            <p:ph idx="1"/>
-          </p:nvPr>
-        </p:nvSpPr>
-        <p:spPr/>
-        <p:txBody>
-          <a:bodyPr/>
-          <a:lstStyle/>
-          <a:p>
-            <a:pPr lvl="0"/>
-            <a:r>
-              <a:rPr b="1"/>
-              <a:t>Lab Notebook</a:t>
-            </a:r>
-            <a:r>
-              <a:rPr/>
-              <a:t> - find a solution that works for you, but make sure that you have it every week, so a cloud-based system would be best. You will be expected to show notes of your progress to your Lab Tutor</a:t>
-            </a:r>
-          </a:p>
-          <a:p>
-            <a:pPr lvl="0"/>
-            <a:r>
-              <a:rPr/>
-              <a:t>Lots can be achieved in the labs, but independent study and coordinated group work will be required. We will be asking about this aspect of the process regularly.</a:t>
-            </a:r>
-          </a:p>
-        </p:txBody>
-      </p:sp>
-    </p:spTree>
-  </p:cSld>
-</p:sld>
-</file>
-
-<file path=ppt/slides/slide15.xml><?xml version="1.0" encoding="utf-8"?>
 <p:sld xmlns:a="http://schemas.openxmlformats.org/drawingml/2006/main" xmlns:r="http://schemas.openxmlformats.org/officeDocument/2006/relationships" xmlns:p="http://schemas.openxmlformats.org/presentationml/2006/main">
   <p:cSld>
     <p:spTree>
@@ -5672,6 +5649,116 @@
 </p:sld>
 </file>
 
+<file path=ppt/slides/slide15.xml><?xml version="1.0" encoding="utf-8"?>
+<p:sld xmlns:a="http://schemas.openxmlformats.org/drawingml/2006/main" xmlns:r="http://schemas.openxmlformats.org/officeDocument/2006/relationships" xmlns:p="http://schemas.openxmlformats.org/presentationml/2006/main">
+  <p:cSld>
+    <p:spTree>
+      <p:nvGrpSpPr>
+        <p:cNvPr id="1" name=""/>
+        <p:cNvGrpSpPr/>
+        <p:nvPr/>
+      </p:nvGrpSpPr>
+      <p:grpSpPr>
+        <a:xfrm>
+          <a:off x="0" y="0"/>
+          <a:ext cx="0" cy="0"/>
+          <a:chOff x="0" y="0"/>
+          <a:chExt cx="0" cy="0"/>
+        </a:xfrm>
+      </p:grpSpPr>
+      <p:sp>
+        <p:nvSpPr>
+          <p:cNvPr id="2" name="Title 1">
+            <a:extLst>
+              <a:ext uri="{FF2B5EF4-FFF2-40B4-BE49-F238E27FC236}">
+                <a16:creationId xmlns:a16="http://schemas.microsoft.com/office/drawing/2014/main" id="{DD9B8E45-0772-954C-8D4B-6E6808DFEDED}"/>
+              </a:ext>
+            </a:extLst>
+          </p:cNvPr>
+          <p:cNvSpPr>
+            <a:spLocks noGrp="1"/>
+          </p:cNvSpPr>
+          <p:nvPr>
+            <p:ph type="title"/>
+          </p:nvPr>
+        </p:nvSpPr>
+        <p:spPr>
+          <a:xfrm>
+            <a:off x="838200" y="365129"/>
+            <a:ext cx="10002520" cy="1325563"/>
+          </a:xfrm>
+          <a:prstGeom prst="rect">
+            <a:avLst/>
+          </a:prstGeom>
+        </p:spPr>
+        <p:txBody>
+          <a:bodyPr/>
+          <a:lstStyle/>
+          <a:p>
+            <a:pPr lvl="0" indent="0" marL="0">
+              <a:buNone/>
+            </a:pPr>
+            <a:r>
+              <a:rPr/>
+              <a:t>Highway to the Dangerzone</a:t>
+            </a:r>
+          </a:p>
+        </p:txBody>
+      </p:sp>
+      <p:sp>
+        <p:nvSpPr>
+          <p:cNvPr id="3" name="Content Placeholder 2">
+            <a:extLst>
+              <a:ext uri="{FF2B5EF4-FFF2-40B4-BE49-F238E27FC236}">
+                <a16:creationId xmlns:a16="http://schemas.microsoft.com/office/drawing/2014/main" id="{A4EB24F9-04F1-C843-9D71-56C5C024552B}"/>
+              </a:ext>
+            </a:extLst>
+          </p:cNvPr>
+          <p:cNvSpPr>
+            <a:spLocks noGrp="1"/>
+          </p:cNvSpPr>
+          <p:nvPr>
+            <p:ph idx="1"/>
+          </p:nvPr>
+        </p:nvSpPr>
+        <p:spPr/>
+        <p:txBody>
+          <a:bodyPr/>
+          <a:lstStyle/>
+          <a:p>
+            <a:pPr lvl="0" indent="0" marL="0">
+              <a:buNone/>
+            </a:pPr>
+            <a:r>
+              <a:rPr/>
+              <a:t>DangerZone are opportunities to consider aspects of research procedure beyond the level expected for this year, but ‘on the table’ for next year and any future research endeavours.</a:t>
+            </a:r>
+          </a:p>
+          <a:p>
+            <a:pPr lvl="0" indent="0" marL="0">
+              <a:buNone/>
+            </a:pPr>
+            <a:r>
+              <a:rPr/>
+              <a:t>They are research-based in a loose sense - they will include programming, literature search and management, academic and knowledge management tools, tips and hacks that might (or might not) be of interest or useful.</a:t>
+            </a:r>
+          </a:p>
+          <a:p>
+            <a:pPr lvl="0" indent="0" marL="0">
+              <a:buNone/>
+            </a:pPr>
+            <a:r>
+              <a:rPr/>
+              <a:t>If the term is going well, they might even be fun. All ideas welcome.</a:t>
+            </a:r>
+          </a:p>
+        </p:txBody>
+      </p:sp>
+    </p:spTree>
+  </p:cSld>
+</p:sld>
+</file>
+
 <file path=ppt/slides/slide16.xml><?xml version="1.0" encoding="utf-8"?>
 <p:sld xmlns:a="http://schemas.openxmlformats.org/drawingml/2006/main" xmlns:r="http://schemas.openxmlformats.org/officeDocument/2006/relationships" xmlns:p="http://schemas.openxmlformats.org/presentationml/2006/main">
   <p:cSld>
@@ -5723,7 +5810,7 @@
             </a:pPr>
             <a:r>
               <a:rPr/>
-              <a:t>Highway to the Dangerzone</a:t>
+              <a:t>Coursework</a:t>
             </a:r>
           </a:p>
         </p:txBody>
@@ -5754,25 +5841,7 @@
             </a:pPr>
             <a:r>
               <a:rPr/>
-              <a:t>DangerZone are opportunities to consider aspects of research procedure beyond the level expected for this year, but ‘on the table’ for next year and any future research endeavours.</a:t>
-            </a:r>
-          </a:p>
-          <a:p>
-            <a:pPr lvl="0" indent="0" marL="0">
-              <a:buNone/>
-            </a:pPr>
-            <a:r>
-              <a:rPr/>
-              <a:t>They are research-based in a loose sense - they will include programming, literature search and management, academic and knowledge management tools, tips and hacks that might (or might not) be of interest or useful.</a:t>
-            </a:r>
-          </a:p>
-          <a:p>
-            <a:pPr lvl="0" indent="0" marL="0">
-              <a:buNone/>
-            </a:pPr>
-            <a:r>
-              <a:rPr/>
-              <a:t>If the term is going well, they might even be fun. All ideas welcome.</a:t>
+              <a:t>The courseworks ALL require critical reflection and meta-cognitive practice. This will be discussed in a number of lectures, but it contributes to effective learning and your integration of the skills and experience of doing this research exercise.</a:t>
             </a:r>
           </a:p>
         </p:txBody>
@@ -5833,7 +5902,7 @@
             </a:pPr>
             <a:r>
               <a:rPr/>
-              <a:t>Coursework</a:t>
+              <a:t>Time management and teamwork</a:t>
             </a:r>
           </a:p>
         </p:txBody>
@@ -5864,7 +5933,34 @@
             </a:pPr>
             <a:r>
               <a:rPr/>
-              <a:t>The courseworks ALL require critical reflection and meta-cognitive practice. This will be discussed in a number of lectures, but it contributes to effective learning and your integration of the skills and experience of doing this research exercise.</a:t>
+              <a:t>..will both be required.</a:t>
+            </a:r>
+          </a:p>
+          <a:p>
+            <a:pPr lvl="0" indent="0" marL="0">
+              <a:buNone/>
+            </a:pPr>
+            <a:r>
+              <a:rPr/>
+              <a:t>I ask you to see both as an opportunity to develop these important skills.</a:t>
+            </a:r>
+          </a:p>
+          <a:p>
+            <a:pPr lvl="0" indent="0" marL="0">
+              <a:buNone/>
+            </a:pPr>
+            <a:r>
+              <a:rPr/>
+              <a:t>You will see we have some ideas to make this more relevant to careers and employability</a:t>
+            </a:r>
+          </a:p>
+          <a:p>
+            <a:pPr lvl="0" indent="0" marL="0">
+              <a:buNone/>
+            </a:pPr>
+            <a:r>
+              <a:rPr/>
+              <a:t>It is easier to ‘keep up than to catch up’.</a:t>
             </a:r>
           </a:p>
         </p:txBody>
@@ -5925,7 +6021,7 @@
             </a:pPr>
             <a:r>
               <a:rPr/>
-              <a:t>Time management and teamwork</a:t>
+              <a:t>Resources</a:t>
             </a:r>
           </a:p>
         </p:txBody>
@@ -5956,7 +6052,7 @@
             </a:pPr>
             <a:r>
               <a:rPr/>
-              <a:t>..will both be required.</a:t>
+              <a:t>We will be releasing a series of valuable resources to help you through every step of the process</a:t>
             </a:r>
           </a:p>
           <a:p>
@@ -5965,7 +6061,7 @@
             </a:pPr>
             <a:r>
               <a:rPr/>
-              <a:t>I ask you to see both as an opportunity to develop these important skills.</a:t>
+              <a:t>These will have value for your final year dissertation too.</a:t>
             </a:r>
           </a:p>
           <a:p>
@@ -5974,7 +6070,7 @@
             </a:pPr>
             <a:r>
               <a:rPr/>
-              <a:t>You will see we have some ideas to make this more relevant to careers and employability</a:t>
+              <a:t>Contribution to and comment on these is welcome and hoped for!</a:t>
             </a:r>
           </a:p>
           <a:p>
@@ -5983,7 +6079,7 @@
             </a:pPr>
             <a:r>
               <a:rPr/>
-              <a:t>It is easier to ‘keep up than to catch up’.</a:t>
+              <a:t>Open Educational Resources will be used extensively, and most core readings are available online via the library.</a:t>
             </a:r>
           </a:p>
         </p:txBody>
@@ -6044,7 +6140,7 @@
             </a:pPr>
             <a:r>
               <a:rPr/>
-              <a:t>Resources</a:t>
+              <a:t>Before Lab 1, please…</a:t>
             </a:r>
           </a:p>
         </p:txBody>
@@ -6075,34 +6171,7 @@
             </a:pPr>
             <a:r>
               <a:rPr/>
-              <a:t>We will be releasing a series of valuable resources to help you through every step of the process</a:t>
-            </a:r>
-          </a:p>
-          <a:p>
-            <a:pPr lvl="0" indent="0" marL="0">
-              <a:buNone/>
-            </a:pPr>
-            <a:r>
-              <a:rPr/>
-              <a:t>These will have value for your final year dissertation too.</a:t>
-            </a:r>
-          </a:p>
-          <a:p>
-            <a:pPr lvl="0" indent="0" marL="0">
-              <a:buNone/>
-            </a:pPr>
-            <a:r>
-              <a:rPr/>
-              <a:t>Contribution to and comment on these is welcome and hoped for!</a:t>
-            </a:r>
-          </a:p>
-          <a:p>
-            <a:pPr lvl="0" indent="0" marL="0">
-              <a:buNone/>
-            </a:pPr>
-            <a:r>
-              <a:rPr/>
-              <a:t>Open Educational Resources will be used extensively, and most core readings are available online via the library.</a:t>
+              <a:t>Add an email signature to your college email, including your student number, programme, lab tutor, and personal tutor. It will speed up responses to any emails you send to staff.</a:t>
             </a:r>
           </a:p>
         </p:txBody>
@@ -6174,98 +6243,6 @@
 </file>
 
 <file path=ppt/slides/slide20.xml><?xml version="1.0" encoding="utf-8"?>
-<p:sld xmlns:a="http://schemas.openxmlformats.org/drawingml/2006/main" xmlns:r="http://schemas.openxmlformats.org/officeDocument/2006/relationships" xmlns:p="http://schemas.openxmlformats.org/presentationml/2006/main">
-  <p:cSld>
-    <p:spTree>
-      <p:nvGrpSpPr>
-        <p:cNvPr id="1" name=""/>
-        <p:cNvGrpSpPr/>
-        <p:nvPr/>
-      </p:nvGrpSpPr>
-      <p:grpSpPr>
-        <a:xfrm>
-          <a:off x="0" y="0"/>
-          <a:ext cx="0" cy="0"/>
-          <a:chOff x="0" y="0"/>
-          <a:chExt cx="0" cy="0"/>
-        </a:xfrm>
-      </p:grpSpPr>
-      <p:sp>
-        <p:nvSpPr>
-          <p:cNvPr id="2" name="Title 1">
-            <a:extLst>
-              <a:ext uri="{FF2B5EF4-FFF2-40B4-BE49-F238E27FC236}">
-                <a16:creationId xmlns:a16="http://schemas.microsoft.com/office/drawing/2014/main" id="{DD9B8E45-0772-954C-8D4B-6E6808DFEDED}"/>
-              </a:ext>
-            </a:extLst>
-          </p:cNvPr>
-          <p:cNvSpPr>
-            <a:spLocks noGrp="1"/>
-          </p:cNvSpPr>
-          <p:nvPr>
-            <p:ph type="title"/>
-          </p:nvPr>
-        </p:nvSpPr>
-        <p:spPr>
-          <a:xfrm>
-            <a:off x="838200" y="365129"/>
-            <a:ext cx="10002520" cy="1325563"/>
-          </a:xfrm>
-          <a:prstGeom prst="rect">
-            <a:avLst/>
-          </a:prstGeom>
-        </p:spPr>
-        <p:txBody>
-          <a:bodyPr/>
-          <a:lstStyle/>
-          <a:p>
-            <a:pPr lvl="0" indent="0" marL="0">
-              <a:buNone/>
-            </a:pPr>
-            <a:r>
-              <a:rPr/>
-              <a:t>Before Lab 1, please…</a:t>
-            </a:r>
-          </a:p>
-        </p:txBody>
-      </p:sp>
-      <p:sp>
-        <p:nvSpPr>
-          <p:cNvPr id="3" name="Content Placeholder 2">
-            <a:extLst>
-              <a:ext uri="{FF2B5EF4-FFF2-40B4-BE49-F238E27FC236}">
-                <a16:creationId xmlns:a16="http://schemas.microsoft.com/office/drawing/2014/main" id="{A4EB24F9-04F1-C843-9D71-56C5C024552B}"/>
-              </a:ext>
-            </a:extLst>
-          </p:cNvPr>
-          <p:cNvSpPr>
-            <a:spLocks noGrp="1"/>
-          </p:cNvSpPr>
-          <p:nvPr>
-            <p:ph idx="1"/>
-          </p:nvPr>
-        </p:nvSpPr>
-        <p:spPr/>
-        <p:txBody>
-          <a:bodyPr/>
-          <a:lstStyle/>
-          <a:p>
-            <a:pPr lvl="0" indent="0" marL="0">
-              <a:buNone/>
-            </a:pPr>
-            <a:r>
-              <a:rPr/>
-              <a:t>Add an email signature to your college email, including your student number, programme, lab tutor, and personal tutor. It will speed up responses to any emails you send to staff.</a:t>
-            </a:r>
-          </a:p>
-        </p:txBody>
-      </p:sp>
-    </p:spTree>
-  </p:cSld>
-</p:sld>
-</file>
-
-<file path=ppt/slides/slide21.xml><?xml version="1.0" encoding="utf-8"?>
 <p:sld xmlns:a="http://schemas.openxmlformats.org/drawingml/2006/main" xmlns:r="http://schemas.openxmlformats.org/officeDocument/2006/relationships" xmlns:p="http://schemas.openxmlformats.org/presentationml/2006/main">
   <p:cSld>
     <p:spTree>
